--- a/HowToSubClassSKSpriteNode/How to subclass SKSpriteNode.pptx
+++ b/HowToSubClassSKSpriteNode/How to subclass SKSpriteNode.pptx
@@ -762,7 +762,19 @@
           <a:p>
             <a:r>
               <a:rPr lang="en-US" dirty="0" smtClean="0"/>
-              <a:t>Ideally in this case it we’d want to call</a:t>
+              <a:t>Swift</a:t>
+            </a:r>
+            <a:r>
+              <a:rPr lang="en-US" baseline="0" dirty="0" smtClean="0"/>
+              <a:t> only permits sub-class initializers to cross call to designated or convenience </a:t>
+            </a:r>
+            <a:r>
+              <a:rPr lang="en-US" baseline="0" dirty="0" err="1" smtClean="0"/>
+              <a:t>initilizers</a:t>
+            </a:r>
+            <a:r>
+              <a:rPr lang="en-US" baseline="0" dirty="0" smtClean="0"/>
+              <a:t> within the same class and then designated initializers to their superclass parent.</a:t>
             </a:r>
             <a:endParaRPr lang="en-US" dirty="0"/>
           </a:p>
@@ -785,7 +797,7 @@
           <a:p>
             <a:fld id="{468309A8-48D5-AE48-B941-33899EB9A3D7}" type="slidenum">
               <a:rPr lang="en-US" smtClean="0"/>
-              <a:t>6</a:t>
+              <a:t>5</a:t>
             </a:fld>
             <a:endParaRPr lang="en-US"/>
           </a:p>
@@ -794,7 +806,7 @@
     </p:spTree>
     <p:extLst>
       <p:ext uri="{BB962C8B-B14F-4D97-AF65-F5344CB8AC3E}">
-        <p14:creationId xmlns:p14="http://schemas.microsoft.com/office/powerpoint/2010/main" val="2659154380"/>
+        <p14:creationId xmlns:p14="http://schemas.microsoft.com/office/powerpoint/2010/main" val="549917555"/>
       </p:ext>
     </p:extLst>
   </p:cSld>
@@ -850,28 +862,69 @@
           <a:p>
             <a:r>
               <a:rPr lang="en-US" dirty="0" smtClean="0"/>
-              <a:t>The thing</a:t>
+              <a:t>The</a:t>
             </a:r>
             <a:r>
               <a:rPr lang="en-US" baseline="0" dirty="0" smtClean="0"/>
-              <a:t> to note here is that this class has additional properties and that that either they all have initial values or that they can be default initialized, i.e. </a:t>
+              <a:t> best we can do is re-implement the </a:t>
             </a:r>
             <a:r>
               <a:rPr lang="en-US" baseline="0" dirty="0" err="1" smtClean="0"/>
-              <a:t>optionals</a:t>
+              <a:t>imageNamed</a:t>
             </a:r>
             <a:r>
               <a:rPr lang="en-US" baseline="0" dirty="0" smtClean="0"/>
-              <a:t>. In this case a default </a:t>
+              <a:t> functionality. Thanks to SO for this.</a:t>
+            </a:r>
+          </a:p>
+          <a:p>
+            <a:endParaRPr lang="en-US" baseline="0" dirty="0" smtClean="0"/>
+          </a:p>
+          <a:p>
+            <a:pPr marL="0" marR="0" indent="0" algn="l" defTabSz="457200" rtl="0" eaLnBrk="1" fontAlgn="auto" latinLnBrk="0" hangingPunct="1">
+              <a:lnSpc>
+                <a:spcPct val="100000"/>
+              </a:lnSpc>
+              <a:spcBef>
+                <a:spcPts val="0"/>
+              </a:spcBef>
+              <a:spcAft>
+                <a:spcPts val="0"/>
+              </a:spcAft>
+              <a:buClrTx/>
+              <a:buSzTx/>
+              <a:buFontTx/>
+              <a:buNone/>
+              <a:tabLst/>
+              <a:defRPr/>
+            </a:pPr>
+            <a:r>
+              <a:rPr lang="en-US" baseline="0" dirty="0" smtClean="0"/>
+              <a:t>You also probably noticed the use of </a:t>
             </a:r>
             <a:r>
               <a:rPr lang="en-US" baseline="0" dirty="0" err="1" smtClean="0"/>
-              <a:t>initiializer</a:t>
+              <a:t>init</a:t>
             </a:r>
             <a:r>
               <a:rPr lang="en-US" baseline="0" dirty="0" smtClean="0"/>
-              <a:t> is generated and all the designated and convenience initializers are inherited.</a:t>
-            </a:r>
+              <a:t>(code) method to. The rules say only need to provide if superclass (or protocol) has a required method. The Swift wrapper for </a:t>
+            </a:r>
+            <a:r>
+              <a:rPr lang="en-US" baseline="0" dirty="0" err="1" smtClean="0"/>
+              <a:t>SKSpriteNode</a:t>
+            </a:r>
+            <a:r>
+              <a:rPr lang="en-US" baseline="0" dirty="0" smtClean="0"/>
+              <a:t> doesn’t have one but we’re </a:t>
+            </a:r>
+            <a:r>
+              <a:rPr lang="en-US" baseline="0" smtClean="0"/>
+              <a:t>still forced too.</a:t>
+            </a:r>
+            <a:endParaRPr lang="en-US" dirty="0" smtClean="0"/>
+          </a:p>
+          <a:p>
             <a:endParaRPr lang="en-US" dirty="0"/>
           </a:p>
         </p:txBody>
@@ -893,7 +946,7 @@
           <a:p>
             <a:fld id="{468309A8-48D5-AE48-B941-33899EB9A3D7}" type="slidenum">
               <a:rPr lang="en-US" smtClean="0"/>
-              <a:t>7</a:t>
+              <a:t>6</a:t>
             </a:fld>
             <a:endParaRPr lang="en-US"/>
           </a:p>
@@ -902,7 +955,7 @@
     </p:spTree>
     <p:extLst>
       <p:ext uri="{BB962C8B-B14F-4D97-AF65-F5344CB8AC3E}">
-        <p14:creationId xmlns:p14="http://schemas.microsoft.com/office/powerpoint/2010/main" val="3036615977"/>
+        <p14:creationId xmlns:p14="http://schemas.microsoft.com/office/powerpoint/2010/main" val="2659154380"/>
       </p:ext>
     </p:extLst>
   </p:cSld>
@@ -958,6 +1011,161 @@
           <a:p>
             <a:r>
               <a:rPr lang="en-US" dirty="0" smtClean="0"/>
+              <a:t>The thing</a:t>
+            </a:r>
+            <a:r>
+              <a:rPr lang="en-US" baseline="0" dirty="0" smtClean="0"/>
+              <a:t> to note here is that this class has additional properties and that that either they all have initial values or that they can be default initialized, i.e. </a:t>
+            </a:r>
+            <a:r>
+              <a:rPr lang="en-US" baseline="0" dirty="0" err="1" smtClean="0"/>
+              <a:t>optionals</a:t>
+            </a:r>
+            <a:r>
+              <a:rPr lang="en-US" baseline="0" dirty="0" smtClean="0"/>
+              <a:t>. In this case a default </a:t>
+            </a:r>
+            <a:r>
+              <a:rPr lang="en-US" baseline="0" dirty="0" err="1" smtClean="0"/>
+              <a:t>initiializer</a:t>
+            </a:r>
+            <a:r>
+              <a:rPr lang="en-US" baseline="0" dirty="0" smtClean="0"/>
+              <a:t> is generated and all the designated and convenience initializers are inherited</a:t>
+            </a:r>
+            <a:r>
+              <a:rPr lang="en-US" baseline="0" dirty="0" smtClean="0"/>
+              <a:t>.</a:t>
+            </a:r>
+          </a:p>
+          <a:p>
+            <a:endParaRPr lang="en-US" baseline="0" dirty="0" smtClean="0"/>
+          </a:p>
+          <a:p>
+            <a:r>
+              <a:rPr lang="en-US" baseline="0" dirty="0" smtClean="0"/>
+              <a:t>Therefore we can use this one just like the superclass! </a:t>
+            </a:r>
+          </a:p>
+          <a:p>
+            <a:endParaRPr lang="en-US" baseline="0" dirty="0" smtClean="0"/>
+          </a:p>
+          <a:p>
+            <a:r>
+              <a:rPr lang="en-US" baseline="0" dirty="0" smtClean="0"/>
+              <a:t>NOTE: No </a:t>
+            </a:r>
+            <a:r>
+              <a:rPr lang="en-US" baseline="0" dirty="0" err="1" smtClean="0"/>
+              <a:t>init</a:t>
+            </a:r>
+            <a:r>
+              <a:rPr lang="en-US" baseline="0" dirty="0" smtClean="0"/>
+              <a:t>(</a:t>
+            </a:r>
+            <a:r>
+              <a:rPr lang="en-US" baseline="0" dirty="0" err="1" smtClean="0"/>
+              <a:t>aCoder</a:t>
+            </a:r>
+            <a:r>
+              <a:rPr lang="en-US" baseline="0" dirty="0" smtClean="0"/>
+              <a:t>)</a:t>
+            </a:r>
+          </a:p>
+          <a:p>
+            <a:endParaRPr lang="en-US" baseline="0" dirty="0" smtClean="0"/>
+          </a:p>
+          <a:p>
+            <a:r>
+              <a:rPr lang="en-US" baseline="0" dirty="0" smtClean="0"/>
+              <a:t>But,</a:t>
+            </a:r>
+            <a:endParaRPr lang="en-US" dirty="0"/>
+          </a:p>
+        </p:txBody>
+      </p:sp>
+      <p:sp>
+        <p:nvSpPr>
+          <p:cNvPr id="4" name="Slide Number Placeholder 3"/>
+          <p:cNvSpPr>
+            <a:spLocks noGrp="1"/>
+          </p:cNvSpPr>
+          <p:nvPr>
+            <p:ph type="sldNum" sz="quarter" idx="10"/>
+          </p:nvPr>
+        </p:nvSpPr>
+        <p:spPr/>
+        <p:txBody>
+          <a:bodyPr/>
+          <a:lstStyle/>
+          <a:p>
+            <a:fld id="{468309A8-48D5-AE48-B941-33899EB9A3D7}" type="slidenum">
+              <a:rPr lang="en-US" smtClean="0"/>
+              <a:t>7</a:t>
+            </a:fld>
+            <a:endParaRPr lang="en-US"/>
+          </a:p>
+        </p:txBody>
+      </p:sp>
+    </p:spTree>
+    <p:extLst>
+      <p:ext uri="{BB962C8B-B14F-4D97-AF65-F5344CB8AC3E}">
+        <p14:creationId xmlns:p14="http://schemas.microsoft.com/office/powerpoint/2010/main" val="3036615977"/>
+      </p:ext>
+    </p:extLst>
+  </p:cSld>
+  <p:clrMapOvr>
+    <a:masterClrMapping/>
+  </p:clrMapOvr>
+</p:notes>
+</file>
+
+<file path=ppt/notesSlides/notesSlide6.xml><?xml version="1.0" encoding="utf-8"?>
+<p:notes xmlns:a="http://schemas.openxmlformats.org/drawingml/2006/main" xmlns:r="http://schemas.openxmlformats.org/officeDocument/2006/relationships" xmlns:p="http://schemas.openxmlformats.org/presentationml/2006/main">
+  <p:cSld>
+    <p:spTree>
+      <p:nvGrpSpPr>
+        <p:cNvPr id="1" name=""/>
+        <p:cNvGrpSpPr/>
+        <p:nvPr/>
+      </p:nvGrpSpPr>
+      <p:grpSpPr>
+        <a:xfrm>
+          <a:off x="0" y="0"/>
+          <a:ext cx="0" cy="0"/>
+          <a:chOff x="0" y="0"/>
+          <a:chExt cx="0" cy="0"/>
+        </a:xfrm>
+      </p:grpSpPr>
+      <p:sp>
+        <p:nvSpPr>
+          <p:cNvPr id="2" name="Slide Image Placeholder 1"/>
+          <p:cNvSpPr>
+            <a:spLocks noGrp="1" noRot="1" noChangeAspect="1"/>
+          </p:cNvSpPr>
+          <p:nvPr>
+            <p:ph type="sldImg"/>
+          </p:nvPr>
+        </p:nvSpPr>
+        <p:spPr/>
+      </p:sp>
+      <p:sp>
+        <p:nvSpPr>
+          <p:cNvPr id="3" name="Notes Placeholder 2"/>
+          <p:cNvSpPr>
+            <a:spLocks noGrp="1"/>
+          </p:cNvSpPr>
+          <p:nvPr>
+            <p:ph type="body" idx="1"/>
+          </p:nvPr>
+        </p:nvSpPr>
+        <p:spPr/>
+        <p:txBody>
+          <a:bodyPr/>
+          <a:lstStyle/>
+          <a:p>
+            <a:r>
+              <a:rPr lang="en-US" dirty="0" smtClean="0"/>
               <a:t>More than</a:t>
             </a:r>
             <a:r>
@@ -970,9 +1178,15 @@
             </a:r>
             <a:r>
               <a:rPr lang="en-US" baseline="0" dirty="0" smtClean="0"/>
-              <a:t>. In this case it’s really just the full sub-class approach again.</a:t>
-            </a:r>
-            <a:endParaRPr lang="en-US" dirty="0"/>
+              <a:t>. In this case it’s really just the full sub-class approach again</a:t>
+            </a:r>
+            <a:r>
+              <a:rPr lang="en-US" baseline="0" dirty="0" smtClean="0"/>
+              <a:t>.</a:t>
+            </a:r>
+          </a:p>
+          <a:p>
+            <a:endParaRPr lang="en-US" baseline="0" dirty="0" smtClean="0"/>
           </a:p>
         </p:txBody>
       </p:sp>
@@ -8273,8 +8487,28 @@
           <a:lstStyle/>
           <a:p>
             <a:r>
+              <a:rPr lang="en-US" dirty="0"/>
+              <a:t>a</a:t>
+            </a:r>
+            <a:r>
               <a:rPr lang="en-US" dirty="0" smtClean="0"/>
-              <a:t>Initializers through the betas</a:t>
+              <a:t>nd use </a:t>
+            </a:r>
+            <a:r>
+              <a:rPr lang="en-US" dirty="0" err="1" smtClean="0"/>
+              <a:t>SKSpriteNode</a:t>
+            </a:r>
+            <a:r>
+              <a:rPr lang="en-US" dirty="0" smtClean="0"/>
+              <a:t>(</a:t>
+            </a:r>
+            <a:r>
+              <a:rPr lang="en-US" dirty="0" err="1" smtClean="0"/>
+              <a:t>imageNamed</a:t>
+            </a:r>
+            <a:r>
+              <a:rPr lang="en-US" dirty="0" smtClean="0"/>
+              <a:t>)</a:t>
             </a:r>
             <a:endParaRPr lang="en-US" dirty="0"/>
           </a:p>
@@ -8600,6 +8834,279 @@
           </a:p>
         </p:txBody>
       </p:sp>
+      <p:sp>
+        <p:nvSpPr>
+          <p:cNvPr id="3" name="TextBox 2"/>
+          <p:cNvSpPr txBox="1"/>
+          <p:nvPr/>
+        </p:nvSpPr>
+        <p:spPr>
+          <a:xfrm>
+            <a:off x="118474" y="1416756"/>
+            <a:ext cx="4153000" cy="3970318"/>
+          </a:xfrm>
+          <a:prstGeom prst="rect">
+            <a:avLst/>
+          </a:prstGeom>
+          <a:noFill/>
+        </p:spPr>
+        <p:txBody>
+          <a:bodyPr wrap="none" rtlCol="0">
+            <a:spAutoFit/>
+          </a:bodyPr>
+          <a:lstStyle/>
+          <a:p>
+            <a:r>
+              <a:rPr lang="en-US" dirty="0"/>
+              <a:t>class </a:t>
+            </a:r>
+            <a:r>
+              <a:rPr lang="en-US" dirty="0" err="1"/>
+              <a:t>SpaceshipIdeal</a:t>
+            </a:r>
+            <a:r>
+              <a:rPr lang="en-US" dirty="0"/>
+              <a:t> : </a:t>
+            </a:r>
+            <a:r>
+              <a:rPr lang="en-US" dirty="0" err="1"/>
+              <a:t>SKSpriteNode</a:t>
+            </a:r>
+            <a:endParaRPr lang="en-US" dirty="0"/>
+          </a:p>
+          <a:p>
+            <a:r>
+              <a:rPr lang="en-US" dirty="0"/>
+              <a:t>{</a:t>
+            </a:r>
+          </a:p>
+          <a:p>
+            <a:r>
+              <a:rPr lang="en-US" dirty="0"/>
+              <a:t>    // Other properties &amp; methods ...</a:t>
+            </a:r>
+          </a:p>
+          <a:p>
+            <a:r>
+              <a:rPr lang="en-US" dirty="0"/>
+              <a:t>    </a:t>
+            </a:r>
+          </a:p>
+          <a:p>
+            <a:r>
+              <a:rPr lang="en-US" dirty="0"/>
+              <a:t>    required </a:t>
+            </a:r>
+            <a:r>
+              <a:rPr lang="en-US" dirty="0" err="1"/>
+              <a:t>init</a:t>
+            </a:r>
+            <a:r>
+              <a:rPr lang="en-US" dirty="0"/>
+              <a:t>(coder </a:t>
+            </a:r>
+            <a:r>
+              <a:rPr lang="en-US" dirty="0" err="1"/>
+              <a:t>aDecoder</a:t>
+            </a:r>
+            <a:r>
+              <a:rPr lang="en-US" dirty="0"/>
+              <a:t>: </a:t>
+            </a:r>
+            <a:r>
+              <a:rPr lang="en-US" dirty="0" err="1"/>
+              <a:t>NSCoder</a:t>
+            </a:r>
+            <a:r>
+              <a:rPr lang="en-US" dirty="0"/>
+              <a:t>!)</a:t>
+            </a:r>
+          </a:p>
+          <a:p>
+            <a:r>
+              <a:rPr lang="en-US" dirty="0"/>
+              <a:t>    {</a:t>
+            </a:r>
+          </a:p>
+          <a:p>
+            <a:r>
+              <a:rPr lang="en-US" dirty="0"/>
+              <a:t>        </a:t>
+            </a:r>
+            <a:r>
+              <a:rPr lang="en-US" dirty="0" err="1"/>
+              <a:t>super.init</a:t>
+            </a:r>
+            <a:r>
+              <a:rPr lang="en-US" dirty="0"/>
+              <a:t>(coder: </a:t>
+            </a:r>
+            <a:r>
+              <a:rPr lang="en-US" dirty="0" err="1"/>
+              <a:t>aDecoder</a:t>
+            </a:r>
+            <a:r>
+              <a:rPr lang="en-US" dirty="0"/>
+              <a:t>)</a:t>
+            </a:r>
+          </a:p>
+          <a:p>
+            <a:r>
+              <a:rPr lang="en-US" dirty="0"/>
+              <a:t>    }</a:t>
+            </a:r>
+          </a:p>
+          <a:p>
+            <a:r>
+              <a:rPr lang="en-US" dirty="0"/>
+              <a:t>    </a:t>
+            </a:r>
+          </a:p>
+          <a:p>
+            <a:r>
+              <a:rPr lang="en-US" dirty="0"/>
+              <a:t>    override </a:t>
+            </a:r>
+            <a:r>
+              <a:rPr lang="en-US" dirty="0" err="1"/>
+              <a:t>init</a:t>
+            </a:r>
+            <a:r>
+              <a:rPr lang="en-US" dirty="0"/>
+              <a:t>()</a:t>
+            </a:r>
+          </a:p>
+          <a:p>
+            <a:r>
+              <a:rPr lang="en-US" dirty="0"/>
+              <a:t>    {</a:t>
+            </a:r>
+          </a:p>
+          <a:p>
+            <a:r>
+              <a:rPr lang="en-US" dirty="0"/>
+              <a:t>        </a:t>
+            </a:r>
+            <a:r>
+              <a:rPr lang="en-US" dirty="0" err="1"/>
+              <a:t>super.init</a:t>
+            </a:r>
+            <a:r>
+              <a:rPr lang="en-US" dirty="0"/>
+              <a:t>(</a:t>
+            </a:r>
+            <a:r>
+              <a:rPr lang="en-US" dirty="0" err="1"/>
+              <a:t>imageNamed</a:t>
+            </a:r>
+            <a:r>
+              <a:rPr lang="en-US" dirty="0"/>
+              <a:t>: "Spaceship")</a:t>
+            </a:r>
+          </a:p>
+          <a:p>
+            <a:r>
+              <a:rPr lang="en-US" dirty="0"/>
+              <a:t>    }</a:t>
+            </a:r>
+          </a:p>
+          <a:p>
+            <a:r>
+              <a:rPr lang="en-US" dirty="0"/>
+              <a:t>}</a:t>
+            </a:r>
+            <a:endParaRPr lang="en-US" dirty="0"/>
+          </a:p>
+        </p:txBody>
+      </p:sp>
+      <p:sp>
+        <p:nvSpPr>
+          <p:cNvPr id="4" name="TextBox 3"/>
+          <p:cNvSpPr txBox="1"/>
+          <p:nvPr/>
+        </p:nvSpPr>
+        <p:spPr>
+          <a:xfrm>
+            <a:off x="1532339" y="6019301"/>
+            <a:ext cx="524585" cy="646331"/>
+          </a:xfrm>
+          <a:prstGeom prst="rect">
+            <a:avLst/>
+          </a:prstGeom>
+          <a:noFill/>
+        </p:spPr>
+        <p:txBody>
+          <a:bodyPr wrap="square" rtlCol="0">
+            <a:spAutoFit/>
+          </a:bodyPr>
+          <a:lstStyle/>
+          <a:p>
+            <a:endParaRPr lang="en-US" dirty="0"/>
+          </a:p>
+          <a:p>
+            <a:endParaRPr lang="en-US" dirty="0">
+              <a:solidFill>
+                <a:srgbClr val="000000"/>
+              </a:solidFill>
+              <a:latin typeface="Menlo-Regular"/>
+            </a:endParaRPr>
+          </a:p>
+        </p:txBody>
+      </p:sp>
+      <p:sp>
+        <p:nvSpPr>
+          <p:cNvPr id="5" name="TextBox 4"/>
+          <p:cNvSpPr txBox="1"/>
+          <p:nvPr/>
+        </p:nvSpPr>
+        <p:spPr>
+          <a:xfrm>
+            <a:off x="4058001" y="4433615"/>
+            <a:ext cx="5085999" cy="646331"/>
+          </a:xfrm>
+          <a:prstGeom prst="rect">
+            <a:avLst/>
+          </a:prstGeom>
+          <a:noFill/>
+        </p:spPr>
+        <p:txBody>
+          <a:bodyPr wrap="square" rtlCol="0">
+            <a:spAutoFit/>
+          </a:bodyPr>
+          <a:lstStyle/>
+          <a:p>
+            <a:r>
+              <a:rPr lang="en-US" dirty="0" smtClean="0">
+                <a:solidFill>
+                  <a:srgbClr val="FF0000"/>
+                </a:solidFill>
+              </a:rPr>
+              <a:t>! Must call designated initializer of superclass ‘</a:t>
+            </a:r>
+            <a:r>
+              <a:rPr lang="en-US" dirty="0" err="1" smtClean="0">
+                <a:solidFill>
+                  <a:srgbClr val="FF0000"/>
+                </a:solidFill>
+              </a:rPr>
+              <a:t>SKSpriteNode</a:t>
+            </a:r>
+            <a:r>
+              <a:rPr lang="en-US" dirty="0" smtClean="0">
+                <a:solidFill>
+                  <a:srgbClr val="FF0000"/>
+                </a:solidFill>
+              </a:rPr>
+              <a:t>’</a:t>
+            </a:r>
+            <a:endParaRPr lang="en-US" dirty="0">
+              <a:solidFill>
+                <a:srgbClr val="FF0000"/>
+              </a:solidFill>
+            </a:endParaRPr>
+          </a:p>
+        </p:txBody>
+      </p:sp>
     </p:spTree>
     <p:extLst>
       <p:ext uri="{BB962C8B-B14F-4D97-AF65-F5344CB8AC3E}">
@@ -8610,6 +9117,13 @@
   <p:clrMapOvr>
     <a:masterClrMapping/>
   </p:clrMapOvr>
+  <p:timing>
+    <p:tnLst>
+      <p:par>
+        <p:cTn xmlns:p14="http://schemas.microsoft.com/office/powerpoint/2010/main" id="1" dur="indefinite" restart="never" nodeType="tmRoot"/>
+      </p:par>
+    </p:tnLst>
+  </p:timing>
 </p:sld>
 </file>
 
@@ -8842,6 +9356,13 @@
   <p:clrMapOvr>
     <a:masterClrMapping/>
   </p:clrMapOvr>
+  <p:timing>
+    <p:tnLst>
+      <p:par>
+        <p:cTn xmlns:p14="http://schemas.microsoft.com/office/powerpoint/2010/main" id="1" dur="indefinite" restart="never" nodeType="tmRoot"/>
+      </p:par>
+    </p:tnLst>
+  </p:timing>
 </p:sld>
 </file>
 
@@ -8984,6 +9505,13 @@
   <p:clrMapOvr>
     <a:masterClrMapping/>
   </p:clrMapOvr>
+  <p:timing>
+    <p:tnLst>
+      <p:par>
+        <p:cTn xmlns:p14="http://schemas.microsoft.com/office/powerpoint/2010/main" id="1" dur="indefinite" restart="never" nodeType="tmRoot"/>
+      </p:par>
+    </p:tnLst>
+  </p:timing>
 </p:sld>
 </file>
 

--- a/HowToSubClassSKSpriteNode/How to subclass SKSpriteNode.pptx
+++ b/HowToSubClassSKSpriteNode/How to subclass SKSpriteNode.pptx
@@ -5,18 +5,20 @@
     <p:sldMasterId id="2147483660" r:id="rId1"/>
   </p:sldMasterIdLst>
   <p:notesMasterIdLst>
-    <p:notesMasterId r:id="rId11"/>
+    <p:notesMasterId r:id="rId13"/>
   </p:notesMasterIdLst>
   <p:sldIdLst>
     <p:sldId id="256" r:id="rId2"/>
-    <p:sldId id="257" r:id="rId3"/>
+    <p:sldId id="269" r:id="rId3"/>
     <p:sldId id="262" r:id="rId4"/>
-    <p:sldId id="260" r:id="rId5"/>
+    <p:sldId id="257" r:id="rId5"/>
     <p:sldId id="266" r:id="rId6"/>
     <p:sldId id="264" r:id="rId7"/>
     <p:sldId id="263" r:id="rId8"/>
     <p:sldId id="265" r:id="rId9"/>
-    <p:sldId id="261" r:id="rId10"/>
+    <p:sldId id="268" r:id="rId10"/>
+    <p:sldId id="267" r:id="rId11"/>
+    <p:sldId id="261" r:id="rId12"/>
   </p:sldIdLst>
   <p:sldSz cx="9144000" cy="6858000" type="screen4x3"/>
   <p:notesSz cx="6858000" cy="9144000"/>
@@ -200,7 +202,7 @@
           <a:p>
             <a:fld id="{89AA29B9-CF14-5E4F-ACFC-499BA00E8919}" type="datetimeFigureOut">
               <a:rPr lang="en-US" smtClean="0"/>
-              <a:t>11/08/2014</a:t>
+              <a:t>16/08/2014</a:t>
             </a:fld>
             <a:endParaRPr lang="en-US"/>
           </a:p>
@@ -531,7 +533,15 @@
             </a:pPr>
             <a:r>
               <a:rPr lang="en-US" dirty="0" smtClean="0"/>
-              <a:t>It seems quite a lot of people (myself) included have started</a:t>
+              <a:t>It seems quite a lot of people (</a:t>
+            </a:r>
+            <a:r>
+              <a:rPr lang="en-US" dirty="0" smtClean="0"/>
+              <a:t>myself included) </a:t>
+            </a:r>
+            <a:r>
+              <a:rPr lang="en-US" dirty="0" smtClean="0"/>
+              <a:t>have started</a:t>
             </a:r>
             <a:r>
               <a:rPr lang="en-US" baseline="0" dirty="0" smtClean="0"/>
@@ -571,7 +581,105 @@
             </a:r>
             <a:r>
               <a:rPr lang="en-US" baseline="0" dirty="0" smtClean="0"/>
-              <a:t> Apple suggest it, common OO approach. I suggest there are (at least) two ways you’d like to sub-class. Firstly to implement a specific type of node or secondly a more generic category. First, let’s look at the simple classic usage.</a:t>
+              <a:t> Apple suggest it, common OO approach. I suggest there are (at least) two ways you’d like to sub-class. Firstly to implement a specific type of node or secondly a more generic category. </a:t>
+            </a:r>
+            <a:endParaRPr lang="en-US" baseline="0" dirty="0" smtClean="0"/>
+          </a:p>
+          <a:p>
+            <a:pPr marL="0" marR="0" indent="0" algn="l" defTabSz="457200" rtl="0" eaLnBrk="1" fontAlgn="auto" latinLnBrk="0" hangingPunct="1">
+              <a:lnSpc>
+                <a:spcPct val="100000"/>
+              </a:lnSpc>
+              <a:spcBef>
+                <a:spcPts val="0"/>
+              </a:spcBef>
+              <a:spcAft>
+                <a:spcPts val="0"/>
+              </a:spcAft>
+              <a:buClrTx/>
+              <a:buSzTx/>
+              <a:buFontTx/>
+              <a:buNone/>
+              <a:tabLst/>
+              <a:defRPr/>
+            </a:pPr>
+            <a:r>
+              <a:rPr lang="en-US" baseline="0" dirty="0" smtClean="0"/>
+              <a:t>However, compared to simple usage sub-classing can become a little frustrating</a:t>
+            </a:r>
+          </a:p>
+          <a:p>
+            <a:pPr marL="0" marR="0" indent="0" algn="l" defTabSz="457200" rtl="0" eaLnBrk="1" fontAlgn="auto" latinLnBrk="0" hangingPunct="1">
+              <a:lnSpc>
+                <a:spcPct val="100000"/>
+              </a:lnSpc>
+              <a:spcBef>
+                <a:spcPts val="0"/>
+              </a:spcBef>
+              <a:spcAft>
+                <a:spcPts val="0"/>
+              </a:spcAft>
+              <a:buClrTx/>
+              <a:buSzTx/>
+              <a:buFontTx/>
+              <a:buNone/>
+              <a:tabLst/>
+              <a:defRPr/>
+            </a:pPr>
+            <a:r>
+              <a:rPr lang="en-US" baseline="0" dirty="0" smtClean="0"/>
+              <a:t>First</a:t>
+            </a:r>
+            <a:r>
+              <a:rPr lang="en-US" baseline="0" dirty="0" smtClean="0"/>
+              <a:t>, let’s look at the simple classic usage</a:t>
+            </a:r>
+            <a:r>
+              <a:rPr lang="en-US" baseline="0" dirty="0" smtClean="0"/>
+              <a:t>. </a:t>
+            </a:r>
+          </a:p>
+          <a:p>
+            <a:pPr marL="0" marR="0" indent="0" algn="l" defTabSz="457200" rtl="0" eaLnBrk="1" fontAlgn="auto" latinLnBrk="0" hangingPunct="1">
+              <a:lnSpc>
+                <a:spcPct val="100000"/>
+              </a:lnSpc>
+              <a:spcBef>
+                <a:spcPts val="0"/>
+              </a:spcBef>
+              <a:spcAft>
+                <a:spcPts val="0"/>
+              </a:spcAft>
+              <a:buClrTx/>
+              <a:buSzTx/>
+              <a:buFontTx/>
+              <a:buNone/>
+              <a:tabLst/>
+              <a:defRPr/>
+            </a:pPr>
+            <a:endParaRPr lang="en-US" baseline="0" dirty="0" smtClean="0"/>
+          </a:p>
+          <a:p>
+            <a:pPr marL="0" marR="0" indent="0" algn="l" defTabSz="457200" rtl="0" eaLnBrk="1" fontAlgn="auto" latinLnBrk="0" hangingPunct="1">
+              <a:lnSpc>
+                <a:spcPct val="100000"/>
+              </a:lnSpc>
+              <a:spcBef>
+                <a:spcPts val="0"/>
+              </a:spcBef>
+              <a:spcAft>
+                <a:spcPts val="0"/>
+              </a:spcAft>
+              <a:buClrTx/>
+              <a:buSzTx/>
+              <a:buFontTx/>
+              <a:buNone/>
+              <a:tabLst/>
+              <a:defRPr/>
+            </a:pPr>
+            <a:r>
+              <a:rPr lang="en-US" baseline="0" dirty="0" smtClean="0"/>
+              <a:t>BTW: I really dislike Apple’s suggestion of where to place the opening { (&amp; that it’s mandatory for single line if). Only reason it’s used in the examples is to fit the code on the slides. I don’t condone it, in fact I actively oppose it!</a:t>
             </a:r>
             <a:endParaRPr lang="en-US" dirty="0" smtClean="0"/>
           </a:p>
@@ -662,19 +770,51 @@
           <a:p>
             <a:r>
               <a:rPr lang="en-US" dirty="0" smtClean="0"/>
-              <a:t>This is</a:t>
+              <a:t>The examples are embedded within the</a:t>
             </a:r>
             <a:r>
               <a:rPr lang="en-US" baseline="0" dirty="0" smtClean="0"/>
-              <a:t> a convenience initializer which is extremely convenient. In a lot of the examples and tutorials on the Internet this seems to be the most used initializer. It’s surprisingly hard to use it from an interesting sub-class! Initially this seemed to be because Apple hadn’t either formalized the rules for Initializers or at least implement them. I think the latter. The problem was that if you called a convenience </a:t>
+              <a:t> generated game from </a:t>
             </a:r>
             <a:r>
               <a:rPr lang="en-US" baseline="0" dirty="0" err="1" smtClean="0"/>
-              <a:t>initalizer</a:t>
+              <a:t>Xcode</a:t>
             </a:r>
             <a:r>
               <a:rPr lang="en-US" baseline="0" dirty="0" smtClean="0"/>
-              <a:t> in the superclass when it called either another convenience initializer or the designated one if made it as a virtual class first which meant if you didn’t provide a subclass implementation it crashed.</a:t>
+              <a:t> (beta 4). Each method attempts to draw the standard space ship image on the screen.</a:t>
+            </a:r>
+          </a:p>
+          <a:p>
+            <a:r>
+              <a:rPr lang="en-US" baseline="0" dirty="0" err="1" smtClean="0"/>
+              <a:t>addSimpleSpriteNode</a:t>
+            </a:r>
+            <a:r>
+              <a:rPr lang="en-US" baseline="0" dirty="0" smtClean="0"/>
+              <a:t> – uses the </a:t>
+            </a:r>
+            <a:r>
+              <a:rPr lang="en-US" baseline="0" dirty="0" err="1" smtClean="0"/>
+              <a:t>SKSpriteNode</a:t>
+            </a:r>
+            <a:r>
+              <a:rPr lang="en-US" baseline="0" dirty="0" smtClean="0"/>
+              <a:t>(</a:t>
+            </a:r>
+            <a:r>
+              <a:rPr lang="en-US" baseline="0" dirty="0" err="1" smtClean="0"/>
+              <a:t>imagedNamed</a:t>
+            </a:r>
+            <a:r>
+              <a:rPr lang="en-US" baseline="0" dirty="0" smtClean="0"/>
+              <a:t>) convenience initializer. This is easy to use and is use in most Internet examples.</a:t>
+            </a:r>
+          </a:p>
+          <a:p>
+            <a:r>
+              <a:rPr lang="en-US" baseline="0" dirty="0" smtClean="0"/>
+              <a:t>The next step would be to create a pure Spaceship sub-class. Something like</a:t>
             </a:r>
             <a:endParaRPr lang="en-US" dirty="0" smtClean="0"/>
           </a:p>
@@ -697,7 +837,7 @@
           <a:p>
             <a:fld id="{468309A8-48D5-AE48-B941-33899EB9A3D7}" type="slidenum">
               <a:rPr lang="en-US" smtClean="0"/>
-              <a:t>2</a:t>
+              <a:t>4</a:t>
             </a:fld>
             <a:endParaRPr lang="en-US"/>
           </a:p>
@@ -762,19 +902,47 @@
           <a:p>
             <a:r>
               <a:rPr lang="en-US" dirty="0" smtClean="0"/>
+              <a:t>However, this doesn’t work.</a:t>
+            </a:r>
+          </a:p>
+          <a:p>
+            <a:r>
+              <a:rPr lang="en-US" dirty="0" smtClean="0"/>
               <a:t>Swift</a:t>
             </a:r>
             <a:r>
               <a:rPr lang="en-US" baseline="0" dirty="0" smtClean="0"/>
-              <a:t> only permits sub-class initializers to cross call to designated or convenience </a:t>
+              <a:t> </a:t>
+            </a:r>
+            <a:r>
+              <a:rPr lang="en-US" baseline="0" dirty="0" smtClean="0"/>
+              <a:t>only permits sub-class initializers to cross call to designated or convenience </a:t>
+            </a:r>
+            <a:r>
+              <a:rPr lang="en-US" baseline="0" dirty="0" smtClean="0"/>
+              <a:t>initializers </a:t>
+            </a:r>
+            <a:r>
+              <a:rPr lang="en-US" baseline="0" dirty="0" smtClean="0"/>
+              <a:t>within the same class and then designated initializers to their superclass parent</a:t>
+            </a:r>
+            <a:r>
+              <a:rPr lang="en-US" baseline="0" dirty="0" smtClean="0"/>
+              <a:t>. </a:t>
             </a:r>
             <a:r>
               <a:rPr lang="en-US" baseline="0" dirty="0" err="1" smtClean="0"/>
-              <a:t>initilizers</a:t>
+              <a:t>imageNamed</a:t>
             </a:r>
             <a:r>
               <a:rPr lang="en-US" baseline="0" dirty="0" smtClean="0"/>
-              <a:t> within the same class and then designated initializers to their superclass parent.</a:t>
+              <a:t> is a convenience initializer.</a:t>
+            </a:r>
+          </a:p>
+          <a:p>
+            <a:r>
+              <a:rPr lang="en-US" baseline="0" dirty="0" smtClean="0"/>
+              <a:t>Let’s see how it can be done</a:t>
             </a:r>
             <a:endParaRPr lang="en-US" dirty="0"/>
           </a:p>
@@ -916,11 +1084,19 @@
             </a:r>
             <a:r>
               <a:rPr lang="en-US" baseline="0" dirty="0" smtClean="0"/>
-              <a:t> doesn’t have one but we’re </a:t>
-            </a:r>
-            <a:r>
-              <a:rPr lang="en-US" baseline="0" smtClean="0"/>
-              <a:t>still forced too.</a:t>
+              <a:t> doesn’t have one but we’re still forced too</a:t>
+            </a:r>
+            <a:r>
+              <a:rPr lang="en-US" baseline="0" dirty="0" smtClean="0"/>
+              <a:t>. Probably a bug in the Swift wrapper for </a:t>
+            </a:r>
+            <a:r>
+              <a:rPr lang="en-US" baseline="0" dirty="0" err="1" smtClean="0"/>
+              <a:t>SpriteKit</a:t>
+            </a:r>
+            <a:r>
+              <a:rPr lang="en-US" baseline="0" dirty="0" smtClean="0"/>
+              <a:t>. If remember correctly this didn’t exist in the first 2 betas</a:t>
             </a:r>
             <a:endParaRPr lang="en-US" dirty="0" smtClean="0"/>
           </a:p>
@@ -1011,7 +1187,28 @@
           <a:p>
             <a:r>
               <a:rPr lang="en-US" dirty="0" smtClean="0"/>
-              <a:t>The thing</a:t>
+              <a:t>Oh! It looks like you can sub-class and use </a:t>
+            </a:r>
+            <a:r>
+              <a:rPr lang="en-US" dirty="0" err="1" smtClean="0"/>
+              <a:t>imageNamed</a:t>
+            </a:r>
+            <a:r>
+              <a:rPr lang="en-US" dirty="0" smtClean="0"/>
+              <a:t>.</a:t>
+            </a:r>
+          </a:p>
+          <a:p>
+            <a:endParaRPr lang="en-US" dirty="0" smtClean="0"/>
+          </a:p>
+          <a:p>
+            <a:r>
+              <a:rPr lang="en-US" dirty="0" smtClean="0"/>
+              <a:t>The </a:t>
+            </a:r>
+            <a:r>
+              <a:rPr lang="en-US" dirty="0" smtClean="0"/>
+              <a:t>thing</a:t>
             </a:r>
             <a:r>
               <a:rPr lang="en-US" baseline="0" dirty="0" smtClean="0"/>
@@ -1031,11 +1228,7 @@
             </a:r>
             <a:r>
               <a:rPr lang="en-US" baseline="0" dirty="0" smtClean="0"/>
-              <a:t> is generated and all the designated and convenience initializers are inherited</a:t>
-            </a:r>
-            <a:r>
-              <a:rPr lang="en-US" baseline="0" dirty="0" smtClean="0"/>
-              <a:t>.</a:t>
+              <a:t> is generated and all the designated and convenience initializers are inherited.</a:t>
             </a:r>
           </a:p>
           <a:p>
@@ -1078,9 +1271,13 @@
           <a:p>
             <a:r>
               <a:rPr lang="en-US" baseline="0" dirty="0" smtClean="0"/>
-              <a:t>But,</a:t>
-            </a:r>
-            <a:endParaRPr lang="en-US" dirty="0"/>
+              <a:t>However, it’s probably unlikely you’ll have a sub-class where everything can be default </a:t>
+            </a:r>
+            <a:r>
+              <a:rPr lang="en-US" baseline="0" dirty="0" err="1" smtClean="0"/>
+              <a:t>initiailized</a:t>
+            </a:r>
+            <a:endParaRPr lang="en-US" baseline="0" dirty="0" smtClean="0"/>
           </a:p>
         </p:txBody>
       </p:sp>
@@ -1165,25 +1362,35 @@
           <a:lstStyle/>
           <a:p>
             <a:r>
-              <a:rPr lang="en-US" dirty="0" smtClean="0"/>
-              <a:t>More than</a:t>
-            </a:r>
-            <a:r>
               <a:rPr lang="en-US" baseline="0" dirty="0" smtClean="0"/>
-              <a:t> likely the simple case of relying upon the default initializer will be insufficient as the construction of your sub-class needs to be </a:t>
-            </a:r>
-            <a:r>
-              <a:rPr lang="en-US" baseline="0" dirty="0" err="1" smtClean="0"/>
-              <a:t>parameritzed</a:t>
+              <a:t>In </a:t>
             </a:r>
             <a:r>
               <a:rPr lang="en-US" baseline="0" dirty="0" smtClean="0"/>
-              <a:t>. In this case it’s really just the full sub-class approach again</a:t>
+              <a:t>this case it’s really just the full sub-class approach again</a:t>
             </a:r>
             <a:r>
               <a:rPr lang="en-US" baseline="0" dirty="0" smtClean="0"/>
               <a:t>.</a:t>
             </a:r>
+          </a:p>
+          <a:p>
+            <a:endParaRPr lang="en-US" baseline="0" dirty="0" smtClean="0"/>
+          </a:p>
+          <a:p>
+            <a:r>
+              <a:rPr lang="en-US" baseline="0" dirty="0" smtClean="0"/>
+              <a:t>This doesn’t really offer much in the way of using the convenience </a:t>
+            </a:r>
+            <a:r>
+              <a:rPr lang="en-US" baseline="0" dirty="0" err="1" smtClean="0"/>
+              <a:t>imageNamed</a:t>
+            </a:r>
+            <a:r>
+              <a:rPr lang="en-US" baseline="0" dirty="0" smtClean="0"/>
+              <a:t> constructor  but at least it might prevent you from banging your head against the wall trying to find out why it can’t be done.</a:t>
+            </a:r>
+            <a:endParaRPr lang="en-US" baseline="0" dirty="0" smtClean="0"/>
           </a:p>
           <a:p>
             <a:endParaRPr lang="en-US" baseline="0" dirty="0" smtClean="0"/>
@@ -1217,6 +1424,242 @@
     <p:extLst>
       <p:ext uri="{BB962C8B-B14F-4D97-AF65-F5344CB8AC3E}">
         <p14:creationId xmlns:p14="http://schemas.microsoft.com/office/powerpoint/2010/main" val="295696205"/>
+      </p:ext>
+    </p:extLst>
+  </p:cSld>
+  <p:clrMapOvr>
+    <a:masterClrMapping/>
+  </p:clrMapOvr>
+</p:notes>
+</file>
+
+<file path=ppt/notesSlides/notesSlide7.xml><?xml version="1.0" encoding="utf-8"?>
+<p:notes xmlns:a="http://schemas.openxmlformats.org/drawingml/2006/main" xmlns:r="http://schemas.openxmlformats.org/officeDocument/2006/relationships" xmlns:p="http://schemas.openxmlformats.org/presentationml/2006/main">
+  <p:cSld>
+    <p:spTree>
+      <p:nvGrpSpPr>
+        <p:cNvPr id="1" name=""/>
+        <p:cNvGrpSpPr/>
+        <p:nvPr/>
+      </p:nvGrpSpPr>
+      <p:grpSpPr>
+        <a:xfrm>
+          <a:off x="0" y="0"/>
+          <a:ext cx="0" cy="0"/>
+          <a:chOff x="0" y="0"/>
+          <a:chExt cx="0" cy="0"/>
+        </a:xfrm>
+      </p:grpSpPr>
+      <p:sp>
+        <p:nvSpPr>
+          <p:cNvPr id="2" name="Slide Image Placeholder 1"/>
+          <p:cNvSpPr>
+            <a:spLocks noGrp="1" noRot="1" noChangeAspect="1"/>
+          </p:cNvSpPr>
+          <p:nvPr>
+            <p:ph type="sldImg"/>
+          </p:nvPr>
+        </p:nvSpPr>
+        <p:spPr/>
+      </p:sp>
+      <p:sp>
+        <p:nvSpPr>
+          <p:cNvPr id="3" name="Notes Placeholder 2"/>
+          <p:cNvSpPr>
+            <a:spLocks noGrp="1"/>
+          </p:cNvSpPr>
+          <p:nvPr>
+            <p:ph type="body" idx="1"/>
+          </p:nvPr>
+        </p:nvSpPr>
+        <p:spPr/>
+        <p:txBody>
+          <a:bodyPr/>
+          <a:lstStyle/>
+          <a:p>
+            <a:r>
+              <a:rPr lang="en-US" dirty="0" err="1" smtClean="0"/>
+              <a:t>HideRequired</a:t>
+            </a:r>
+            <a:r>
+              <a:rPr lang="en-US" dirty="0" smtClean="0"/>
+              <a:t> stops the propagation of the required initializers.</a:t>
+            </a:r>
+          </a:p>
+          <a:p>
+            <a:r>
+              <a:rPr lang="en-US" dirty="0" err="1" smtClean="0"/>
+              <a:t>MySKSpriteNode</a:t>
+            </a:r>
+            <a:r>
+              <a:rPr lang="en-US" dirty="0" smtClean="0"/>
+              <a:t> is forced</a:t>
+            </a:r>
+            <a:r>
+              <a:rPr lang="en-US" baseline="0" dirty="0" smtClean="0"/>
+              <a:t> to re-implement </a:t>
+            </a:r>
+            <a:r>
+              <a:rPr lang="en-US" baseline="0" dirty="0" err="1" smtClean="0"/>
+              <a:t>init</a:t>
+            </a:r>
+            <a:r>
+              <a:rPr lang="en-US" baseline="0" dirty="0" smtClean="0"/>
+              <a:t>(</a:t>
+            </a:r>
+            <a:r>
+              <a:rPr lang="en-US" baseline="0" dirty="0" err="1" smtClean="0"/>
+              <a:t>imageNamed</a:t>
+            </a:r>
+            <a:r>
+              <a:rPr lang="en-US" baseline="0" dirty="0" smtClean="0"/>
+              <a:t>) but no big deal.</a:t>
+            </a:r>
+          </a:p>
+          <a:p>
+            <a:r>
+              <a:rPr lang="en-US" baseline="0" dirty="0" smtClean="0"/>
+              <a:t>Can now create any further sub-classes that can call up to </a:t>
+            </a:r>
+            <a:r>
+              <a:rPr lang="en-US" baseline="0" dirty="0" err="1" smtClean="0"/>
+              <a:t>MySKSrpiteNode.init</a:t>
+            </a:r>
+            <a:r>
+              <a:rPr lang="en-US" baseline="0" dirty="0" smtClean="0"/>
+              <a:t>(</a:t>
+            </a:r>
+            <a:r>
+              <a:rPr lang="en-US" baseline="0" dirty="0" err="1" smtClean="0"/>
+              <a:t>imageNamed</a:t>
+            </a:r>
+            <a:r>
+              <a:rPr lang="en-US" baseline="0" dirty="0" smtClean="0"/>
+              <a:t>)</a:t>
+            </a:r>
+            <a:endParaRPr lang="en-US" dirty="0"/>
+          </a:p>
+        </p:txBody>
+      </p:sp>
+      <p:sp>
+        <p:nvSpPr>
+          <p:cNvPr id="4" name="Slide Number Placeholder 3"/>
+          <p:cNvSpPr>
+            <a:spLocks noGrp="1"/>
+          </p:cNvSpPr>
+          <p:nvPr>
+            <p:ph type="sldNum" sz="quarter" idx="10"/>
+          </p:nvPr>
+        </p:nvSpPr>
+        <p:spPr/>
+        <p:txBody>
+          <a:bodyPr/>
+          <a:lstStyle/>
+          <a:p>
+            <a:fld id="{468309A8-48D5-AE48-B941-33899EB9A3D7}" type="slidenum">
+              <a:rPr lang="en-US" smtClean="0"/>
+              <a:t>9</a:t>
+            </a:fld>
+            <a:endParaRPr lang="en-US"/>
+          </a:p>
+        </p:txBody>
+      </p:sp>
+    </p:spTree>
+    <p:extLst>
+      <p:ext uri="{BB962C8B-B14F-4D97-AF65-F5344CB8AC3E}">
+        <p14:creationId xmlns:p14="http://schemas.microsoft.com/office/powerpoint/2010/main" val="4213738296"/>
+      </p:ext>
+    </p:extLst>
+  </p:cSld>
+  <p:clrMapOvr>
+    <a:masterClrMapping/>
+  </p:clrMapOvr>
+</p:notes>
+</file>
+
+<file path=ppt/notesSlides/notesSlide8.xml><?xml version="1.0" encoding="utf-8"?>
+<p:notes xmlns:a="http://schemas.openxmlformats.org/drawingml/2006/main" xmlns:r="http://schemas.openxmlformats.org/officeDocument/2006/relationships" xmlns:p="http://schemas.openxmlformats.org/presentationml/2006/main">
+  <p:cSld>
+    <p:spTree>
+      <p:nvGrpSpPr>
+        <p:cNvPr id="1" name=""/>
+        <p:cNvGrpSpPr/>
+        <p:nvPr/>
+      </p:nvGrpSpPr>
+      <p:grpSpPr>
+        <a:xfrm>
+          <a:off x="0" y="0"/>
+          <a:ext cx="0" cy="0"/>
+          <a:chOff x="0" y="0"/>
+          <a:chExt cx="0" cy="0"/>
+        </a:xfrm>
+      </p:grpSpPr>
+      <p:sp>
+        <p:nvSpPr>
+          <p:cNvPr id="2" name="Slide Image Placeholder 1"/>
+          <p:cNvSpPr>
+            <a:spLocks noGrp="1" noRot="1" noChangeAspect="1"/>
+          </p:cNvSpPr>
+          <p:nvPr>
+            <p:ph type="sldImg"/>
+          </p:nvPr>
+        </p:nvSpPr>
+        <p:spPr/>
+      </p:sp>
+      <p:sp>
+        <p:nvSpPr>
+          <p:cNvPr id="3" name="Notes Placeholder 2"/>
+          <p:cNvSpPr>
+            <a:spLocks noGrp="1"/>
+          </p:cNvSpPr>
+          <p:nvPr>
+            <p:ph type="body" idx="1"/>
+          </p:nvPr>
+        </p:nvSpPr>
+        <p:spPr/>
+        <p:txBody>
+          <a:bodyPr/>
+          <a:lstStyle/>
+          <a:p>
+            <a:r>
+              <a:rPr lang="en-US" dirty="0" smtClean="0"/>
+              <a:t>A CE system can be used as an alternative</a:t>
+            </a:r>
+            <a:r>
+              <a:rPr lang="en-US" baseline="0" dirty="0" smtClean="0"/>
+              <a:t> to sub-classing</a:t>
+            </a:r>
+            <a:endParaRPr lang="en-US" dirty="0"/>
+          </a:p>
+        </p:txBody>
+      </p:sp>
+      <p:sp>
+        <p:nvSpPr>
+          <p:cNvPr id="4" name="Slide Number Placeholder 3"/>
+          <p:cNvSpPr>
+            <a:spLocks noGrp="1"/>
+          </p:cNvSpPr>
+          <p:nvPr>
+            <p:ph type="sldNum" sz="quarter" idx="10"/>
+          </p:nvPr>
+        </p:nvSpPr>
+        <p:spPr/>
+        <p:txBody>
+          <a:bodyPr/>
+          <a:lstStyle/>
+          <a:p>
+            <a:fld id="{468309A8-48D5-AE48-B941-33899EB9A3D7}" type="slidenum">
+              <a:rPr lang="en-US" smtClean="0"/>
+              <a:t>10</a:t>
+            </a:fld>
+            <a:endParaRPr lang="en-US"/>
+          </a:p>
+        </p:txBody>
+      </p:sp>
+    </p:spTree>
+    <p:extLst>
+      <p:ext uri="{BB962C8B-B14F-4D97-AF65-F5344CB8AC3E}">
+        <p14:creationId xmlns:p14="http://schemas.microsoft.com/office/powerpoint/2010/main" val="375260345"/>
       </p:ext>
     </p:extLst>
   </p:cSld>
@@ -1459,7 +1902,7 @@
           <a:p>
             <a:fld id="{2DF66AD8-BC4A-4004-9882-414398D930CA}" type="datetimeFigureOut">
               <a:rPr lang="en-US" smtClean="0"/>
-              <a:t>11/08/2014</a:t>
+              <a:t>16/08/2014</a:t>
             </a:fld>
             <a:endParaRPr lang="en-US"/>
           </a:p>
@@ -1604,7 +2047,7 @@
           <a:p>
             <a:fld id="{2DF66AD8-BC4A-4004-9882-414398D930CA}" type="datetimeFigureOut">
               <a:rPr lang="en-US" smtClean="0"/>
-              <a:t>11/08/2014</a:t>
+              <a:t>16/08/2014</a:t>
             </a:fld>
             <a:endParaRPr lang="en-US"/>
           </a:p>
@@ -2061,7 +2504,7 @@
           <a:p>
             <a:fld id="{2DF66AD8-BC4A-4004-9882-414398D930CA}" type="datetimeFigureOut">
               <a:rPr lang="en-US" smtClean="0"/>
-              <a:t>11/08/2014</a:t>
+              <a:t>16/08/2014</a:t>
             </a:fld>
             <a:endParaRPr lang="en-US"/>
           </a:p>
@@ -2429,7 +2872,7 @@
           <a:p>
             <a:fld id="{2DF66AD8-BC4A-4004-9882-414398D930CA}" type="datetimeFigureOut">
               <a:rPr lang="en-US" smtClean="0"/>
-              <a:t>11/08/2014</a:t>
+              <a:t>16/08/2014</a:t>
             </a:fld>
             <a:endParaRPr lang="en-US"/>
           </a:p>
@@ -2519,7 +2962,7 @@
           <a:p>
             <a:fld id="{2DF66AD8-BC4A-4004-9882-414398D930CA}" type="datetimeFigureOut">
               <a:rPr lang="en-US" smtClean="0"/>
-              <a:t>11/08/2014</a:t>
+              <a:t>16/08/2014</a:t>
             </a:fld>
             <a:endParaRPr lang="en-US"/>
           </a:p>
@@ -2797,7 +3240,7 @@
           <a:p>
             <a:fld id="{2DF66AD8-BC4A-4004-9882-414398D930CA}" type="datetimeFigureOut">
               <a:rPr lang="en-US" smtClean="0"/>
-              <a:t>11/08/2014</a:t>
+              <a:t>16/08/2014</a:t>
             </a:fld>
             <a:endParaRPr lang="en-US"/>
           </a:p>
@@ -2990,7 +3433,7 @@
           <a:p>
             <a:fld id="{2DF66AD8-BC4A-4004-9882-414398D930CA}" type="datetimeFigureOut">
               <a:rPr lang="en-US" smtClean="0"/>
-              <a:t>11/08/2014</a:t>
+              <a:t>16/08/2014</a:t>
             </a:fld>
             <a:endParaRPr lang="en-US"/>
           </a:p>
@@ -3732,7 +4175,7 @@
           <a:p>
             <a:fld id="{2DF66AD8-BC4A-4004-9882-414398D930CA}" type="datetimeFigureOut">
               <a:rPr lang="en-US" smtClean="0"/>
-              <a:t>11/08/2014</a:t>
+              <a:t>16/08/2014</a:t>
             </a:fld>
             <a:endParaRPr lang="en-US"/>
           </a:p>
@@ -4070,7 +4513,7 @@
           <a:p>
             <a:fld id="{2DF66AD8-BC4A-4004-9882-414398D930CA}" type="datetimeFigureOut">
               <a:rPr lang="en-US" smtClean="0"/>
-              <a:t>11/08/2014</a:t>
+              <a:t>16/08/2014</a:t>
             </a:fld>
             <a:endParaRPr lang="en-US"/>
           </a:p>
@@ -4667,7 +5110,7 @@
           <a:p>
             <a:fld id="{2DF66AD8-BC4A-4004-9882-414398D930CA}" type="datetimeFigureOut">
               <a:rPr lang="en-US" smtClean="0"/>
-              <a:t>11/08/2014</a:t>
+              <a:t>16/08/2014</a:t>
             </a:fld>
             <a:endParaRPr lang="en-US"/>
           </a:p>
@@ -4850,7 +5293,7 @@
           <a:p>
             <a:fld id="{2DF66AD8-BC4A-4004-9882-414398D930CA}" type="datetimeFigureOut">
               <a:rPr lang="en-US" smtClean="0"/>
-              <a:t>11/08/2014</a:t>
+              <a:t>16/08/2014</a:t>
             </a:fld>
             <a:endParaRPr lang="en-US"/>
           </a:p>
@@ -5019,7 +5462,7 @@
           <a:p>
             <a:fld id="{2DF66AD8-BC4A-4004-9882-414398D930CA}" type="datetimeFigureOut">
               <a:rPr lang="en-US" smtClean="0"/>
-              <a:t>11/08/2014</a:t>
+              <a:t>16/08/2014</a:t>
             </a:fld>
             <a:endParaRPr lang="en-US"/>
           </a:p>
@@ -5212,7 +5655,7 @@
           <a:p>
             <a:fld id="{2DF66AD8-BC4A-4004-9882-414398D930CA}" type="datetimeFigureOut">
               <a:rPr lang="en-US" smtClean="0"/>
-              <a:t>11/08/2014</a:t>
+              <a:t>16/08/2014</a:t>
             </a:fld>
             <a:endParaRPr lang="en-US"/>
           </a:p>
@@ -5631,7 +6074,7 @@
           <a:p>
             <a:fld id="{2DF66AD8-BC4A-4004-9882-414398D930CA}" type="datetimeFigureOut">
               <a:rPr lang="en-US" smtClean="0"/>
-              <a:t>11/08/2014</a:t>
+              <a:t>16/08/2014</a:t>
             </a:fld>
             <a:endParaRPr lang="en-US"/>
           </a:p>
@@ -5929,7 +6372,7 @@
           <a:p>
             <a:fld id="{2DF66AD8-BC4A-4004-9882-414398D930CA}" type="datetimeFigureOut">
               <a:rPr lang="en-US" smtClean="0"/>
-              <a:t>11/08/2014</a:t>
+              <a:t>16/08/2014</a:t>
             </a:fld>
             <a:endParaRPr lang="en-US"/>
           </a:p>
@@ -6330,7 +6773,7 @@
           <a:p>
             <a:fld id="{2DF66AD8-BC4A-4004-9882-414398D930CA}" type="datetimeFigureOut">
               <a:rPr lang="en-US" smtClean="0"/>
-              <a:t>11/08/2014</a:t>
+              <a:t>16/08/2014</a:t>
             </a:fld>
             <a:endParaRPr lang="en-US"/>
           </a:p>
@@ -6720,7 +7163,7 @@
           <a:p>
             <a:fld id="{2DF66AD8-BC4A-4004-9882-414398D930CA}" type="datetimeFigureOut">
               <a:rPr lang="en-US" smtClean="0"/>
-              <a:t>11/08/2014</a:t>
+              <a:t>16/08/2014</a:t>
             </a:fld>
             <a:endParaRPr lang="en-US"/>
           </a:p>
@@ -7003,7 +7446,7 @@
           <a:p>
             <a:fld id="{2DF66AD8-BC4A-4004-9882-414398D930CA}" type="datetimeFigureOut">
               <a:rPr lang="en-US" smtClean="0"/>
-              <a:t>11/08/2014</a:t>
+              <a:t>16/08/2014</a:t>
             </a:fld>
             <a:endParaRPr lang="en-US"/>
           </a:p>
@@ -7442,7 +7885,7 @@
           <a:p>
             <a:fld id="{2DF66AD8-BC4A-4004-9882-414398D930CA}" type="datetimeFigureOut">
               <a:rPr lang="en-US" smtClean="0"/>
-              <a:t>11/08/2014</a:t>
+              <a:t>16/08/2014</a:t>
             </a:fld>
             <a:endParaRPr lang="en-US"/>
           </a:p>
@@ -7736,7 +8179,7 @@
           <a:p>
             <a:fld id="{2DF66AD8-BC4A-4004-9882-414398D930CA}" type="datetimeFigureOut">
               <a:rPr lang="en-US" smtClean="0"/>
-              <a:t>11/08/2014</a:t>
+              <a:t>16/08/2014</a:t>
             </a:fld>
             <a:endParaRPr lang="en-US"/>
           </a:p>
@@ -8028,7 +8471,7 @@
           <a:p>
             <a:fld id="{2DF66AD8-BC4A-4004-9882-414398D930CA}" type="datetimeFigureOut">
               <a:rPr lang="en-US" smtClean="0"/>
-              <a:t>11/08/2014</a:t>
+              <a:t>16/08/2014</a:t>
             </a:fld>
             <a:endParaRPr lang="en-US"/>
           </a:p>
@@ -8534,6 +8977,713 @@
 </p:sld>
 </file>
 
+<file path=ppt/slides/slide10.xml><?xml version="1.0" encoding="utf-8"?>
+<p:sld xmlns:a="http://schemas.openxmlformats.org/drawingml/2006/main" xmlns:r="http://schemas.openxmlformats.org/officeDocument/2006/relationships" xmlns:p="http://schemas.openxmlformats.org/presentationml/2006/main">
+  <p:cSld>
+    <p:spTree>
+      <p:nvGrpSpPr>
+        <p:cNvPr id="1" name=""/>
+        <p:cNvGrpSpPr/>
+        <p:nvPr/>
+      </p:nvGrpSpPr>
+      <p:grpSpPr>
+        <a:xfrm>
+          <a:off x="0" y="0"/>
+          <a:ext cx="0" cy="0"/>
+          <a:chOff x="0" y="0"/>
+          <a:chExt cx="0" cy="0"/>
+        </a:xfrm>
+      </p:grpSpPr>
+      <p:sp>
+        <p:nvSpPr>
+          <p:cNvPr id="2" name="Title 1"/>
+          <p:cNvSpPr>
+            <a:spLocks noGrp="1"/>
+          </p:cNvSpPr>
+          <p:nvPr>
+            <p:ph type="title"/>
+          </p:nvPr>
+        </p:nvSpPr>
+        <p:spPr/>
+        <p:txBody>
+          <a:bodyPr/>
+          <a:lstStyle/>
+          <a:p>
+            <a:r>
+              <a:rPr lang="en-US" dirty="0" smtClean="0"/>
+              <a:t>Component-Entity</a:t>
+            </a:r>
+            <a:endParaRPr lang="en-US" dirty="0"/>
+          </a:p>
+        </p:txBody>
+      </p:sp>
+      <p:sp>
+        <p:nvSpPr>
+          <p:cNvPr id="3" name="Content Placeholder 2"/>
+          <p:cNvSpPr>
+            <a:spLocks noGrp="1"/>
+          </p:cNvSpPr>
+          <p:nvPr>
+            <p:ph idx="1"/>
+          </p:nvPr>
+        </p:nvSpPr>
+        <p:spPr>
+          <a:xfrm>
+            <a:off x="914400" y="1735138"/>
+            <a:ext cx="7313613" cy="1385960"/>
+          </a:xfrm>
+        </p:spPr>
+        <p:txBody>
+          <a:bodyPr/>
+          <a:lstStyle/>
+          <a:p>
+            <a:r>
+              <a:rPr lang="en-US" dirty="0" smtClean="0"/>
+              <a:t>Can use </a:t>
+            </a:r>
+            <a:r>
+              <a:rPr lang="en-US" dirty="0" err="1" smtClean="0"/>
+              <a:t>SKNode.userData</a:t>
+            </a:r>
+            <a:r>
+              <a:rPr lang="en-US" dirty="0" smtClean="0"/>
+              <a:t> to store Components</a:t>
+            </a:r>
+          </a:p>
+          <a:p>
+            <a:pPr lvl="1"/>
+            <a:r>
+              <a:rPr lang="en-US" dirty="0" err="1" smtClean="0"/>
+              <a:t>userData</a:t>
+            </a:r>
+            <a:r>
+              <a:rPr lang="en-US" dirty="0" smtClean="0"/>
+              <a:t> is nil despite being an implicit unwrapped optional. Needs initializing</a:t>
+            </a:r>
+            <a:endParaRPr lang="en-US" dirty="0"/>
+          </a:p>
+        </p:txBody>
+      </p:sp>
+      <p:sp>
+        <p:nvSpPr>
+          <p:cNvPr id="4" name="TextBox 3"/>
+          <p:cNvSpPr txBox="1"/>
+          <p:nvPr/>
+        </p:nvSpPr>
+        <p:spPr>
+          <a:xfrm>
+            <a:off x="311459" y="3121098"/>
+            <a:ext cx="8486292" cy="3139321"/>
+          </a:xfrm>
+          <a:prstGeom prst="rect">
+            <a:avLst/>
+          </a:prstGeom>
+          <a:noFill/>
+        </p:spPr>
+        <p:txBody>
+          <a:bodyPr wrap="none" rtlCol="0">
+            <a:spAutoFit/>
+          </a:bodyPr>
+          <a:lstStyle/>
+          <a:p>
+            <a:r>
+              <a:rPr lang="en-US" dirty="0"/>
+              <a:t> class </a:t>
+            </a:r>
+            <a:r>
+              <a:rPr lang="en-US" dirty="0" err="1"/>
+              <a:t>SpaceshipInfo</a:t>
+            </a:r>
+            <a:endParaRPr lang="en-US" dirty="0"/>
+          </a:p>
+          <a:p>
+            <a:r>
+              <a:rPr lang="en-US" dirty="0"/>
+              <a:t> </a:t>
+            </a:r>
+            <a:r>
+              <a:rPr lang="en-US" dirty="0" smtClean="0"/>
+              <a:t>{</a:t>
+            </a:r>
+            <a:endParaRPr lang="en-US" dirty="0"/>
+          </a:p>
+          <a:p>
+            <a:r>
+              <a:rPr lang="de-DE" dirty="0"/>
+              <a:t> </a:t>
+            </a:r>
+            <a:r>
+              <a:rPr lang="de-DE" dirty="0" smtClean="0"/>
+              <a:t>       </a:t>
+            </a:r>
+            <a:r>
+              <a:rPr lang="de-DE" dirty="0" err="1"/>
+              <a:t>init</a:t>
+            </a:r>
+            <a:r>
+              <a:rPr lang="de-DE" dirty="0"/>
+              <a:t>(</a:t>
+            </a:r>
+            <a:r>
+              <a:rPr lang="de-DE" dirty="0" err="1"/>
+              <a:t>funkyName</a:t>
+            </a:r>
+            <a:r>
+              <a:rPr lang="de-DE" dirty="0"/>
+              <a:t>: String) { /* </a:t>
+            </a:r>
+            <a:r>
+              <a:rPr lang="de-DE" dirty="0" err="1"/>
+              <a:t>Stuff</a:t>
+            </a:r>
+            <a:r>
+              <a:rPr lang="de-DE" dirty="0"/>
+              <a:t> */ }</a:t>
+            </a:r>
+          </a:p>
+          <a:p>
+            <a:r>
+              <a:rPr lang="de-DE" dirty="0"/>
+              <a:t> </a:t>
+            </a:r>
+            <a:r>
+              <a:rPr lang="de-DE" dirty="0" smtClean="0"/>
+              <a:t>}</a:t>
+            </a:r>
+            <a:endParaRPr lang="de-DE" dirty="0"/>
+          </a:p>
+          <a:p>
+            <a:endParaRPr lang="de-DE" dirty="0"/>
+          </a:p>
+          <a:p>
+            <a:r>
+              <a:rPr lang="de-DE" dirty="0"/>
+              <a:t> </a:t>
+            </a:r>
+            <a:r>
+              <a:rPr lang="de-DE" dirty="0" err="1" smtClean="0"/>
+              <a:t>let</a:t>
+            </a:r>
+            <a:r>
+              <a:rPr lang="de-DE" dirty="0" smtClean="0"/>
+              <a:t> </a:t>
+            </a:r>
+            <a:r>
+              <a:rPr lang="de-DE" dirty="0" err="1"/>
+              <a:t>sprite</a:t>
+            </a:r>
+            <a:r>
+              <a:rPr lang="de-DE" dirty="0"/>
+              <a:t> = </a:t>
+            </a:r>
+            <a:r>
+              <a:rPr lang="de-DE" dirty="0" err="1"/>
+              <a:t>SKSpriteNode</a:t>
+            </a:r>
+            <a:r>
+              <a:rPr lang="de-DE" dirty="0"/>
+              <a:t>(</a:t>
+            </a:r>
+            <a:r>
+              <a:rPr lang="de-DE" dirty="0" err="1"/>
+              <a:t>imageNamed</a:t>
+            </a:r>
+            <a:r>
+              <a:rPr lang="de-DE" dirty="0"/>
+              <a:t>: "</a:t>
+            </a:r>
+            <a:r>
+              <a:rPr lang="de-DE" dirty="0" err="1"/>
+              <a:t>Spaceship</a:t>
+            </a:r>
+            <a:r>
+              <a:rPr lang="de-DE" dirty="0"/>
+              <a:t>")</a:t>
+            </a:r>
+          </a:p>
+          <a:p>
+            <a:r>
+              <a:rPr lang="de-DE" dirty="0"/>
+              <a:t> </a:t>
+            </a:r>
+            <a:r>
+              <a:rPr lang="de-DE" dirty="0" err="1" smtClean="0"/>
+              <a:t>sprite.position</a:t>
+            </a:r>
+            <a:r>
+              <a:rPr lang="de-DE" dirty="0" smtClean="0"/>
+              <a:t> </a:t>
+            </a:r>
+            <a:r>
+              <a:rPr lang="de-DE" dirty="0"/>
+              <a:t>= </a:t>
+            </a:r>
+            <a:r>
+              <a:rPr lang="de-DE" dirty="0" err="1"/>
+              <a:t>CGPoint</a:t>
+            </a:r>
+            <a:r>
+              <a:rPr lang="de-DE" dirty="0"/>
+              <a:t>(</a:t>
+            </a:r>
+            <a:r>
+              <a:rPr lang="de-DE" dirty="0" err="1"/>
+              <a:t>x:CGRectGetMidX</a:t>
+            </a:r>
+            <a:r>
+              <a:rPr lang="de-DE" dirty="0"/>
+              <a:t>(</a:t>
+            </a:r>
+            <a:r>
+              <a:rPr lang="de-DE" dirty="0" err="1"/>
+              <a:t>self.frame</a:t>
+            </a:r>
+            <a:r>
+              <a:rPr lang="de-DE" dirty="0"/>
+              <a:t>), </a:t>
+            </a:r>
+            <a:r>
+              <a:rPr lang="de-DE" dirty="0" err="1"/>
+              <a:t>y:CGRectGetMidY</a:t>
+            </a:r>
+            <a:r>
+              <a:rPr lang="de-DE" dirty="0"/>
+              <a:t>(</a:t>
+            </a:r>
+            <a:r>
+              <a:rPr lang="de-DE" dirty="0" err="1"/>
+              <a:t>self.frame</a:t>
+            </a:r>
+            <a:r>
+              <a:rPr lang="de-DE" dirty="0"/>
+              <a:t>));</a:t>
+            </a:r>
+          </a:p>
+          <a:p>
+            <a:r>
+              <a:rPr lang="de-DE" dirty="0"/>
+              <a:t> </a:t>
+            </a:r>
+            <a:r>
+              <a:rPr lang="de-DE" dirty="0" err="1" smtClean="0"/>
+              <a:t>self.addChild</a:t>
+            </a:r>
+            <a:r>
+              <a:rPr lang="de-DE" dirty="0"/>
+              <a:t>(</a:t>
+            </a:r>
+            <a:r>
+              <a:rPr lang="de-DE" dirty="0" err="1"/>
+              <a:t>sprite</a:t>
+            </a:r>
+            <a:r>
+              <a:rPr lang="de-DE" dirty="0" smtClean="0"/>
+              <a:t>) // Code </a:t>
+            </a:r>
+            <a:r>
+              <a:rPr lang="de-DE" dirty="0" err="1" smtClean="0"/>
+              <a:t>taken</a:t>
+            </a:r>
+            <a:r>
+              <a:rPr lang="de-DE" dirty="0" smtClean="0"/>
+              <a:t> </a:t>
+            </a:r>
+            <a:r>
+              <a:rPr lang="de-DE" dirty="0" err="1" smtClean="0"/>
+              <a:t>from</a:t>
+            </a:r>
+            <a:r>
+              <a:rPr lang="de-DE" dirty="0" smtClean="0"/>
+              <a:t> </a:t>
+            </a:r>
+            <a:r>
+              <a:rPr lang="de-DE" dirty="0" err="1" smtClean="0"/>
+              <a:t>SKScene</a:t>
+            </a:r>
+            <a:r>
+              <a:rPr lang="de-DE" dirty="0" smtClean="0"/>
+              <a:t> sub-</a:t>
+            </a:r>
+            <a:r>
+              <a:rPr lang="de-DE" dirty="0" err="1" smtClean="0"/>
+              <a:t>class</a:t>
+            </a:r>
+            <a:endParaRPr lang="de-DE" dirty="0"/>
+          </a:p>
+          <a:p>
+            <a:r>
+              <a:rPr lang="de-DE" dirty="0"/>
+              <a:t>        </a:t>
+            </a:r>
+          </a:p>
+          <a:p>
+            <a:r>
+              <a:rPr lang="de-DE" b="1" dirty="0" err="1" smtClean="0">
+                <a:solidFill>
+                  <a:srgbClr val="FF0000"/>
+                </a:solidFill>
+              </a:rPr>
+              <a:t>userData</a:t>
+            </a:r>
+            <a:r>
+              <a:rPr lang="de-DE" b="1" dirty="0" smtClean="0">
+                <a:solidFill>
+                  <a:srgbClr val="FF0000"/>
+                </a:solidFill>
+              </a:rPr>
+              <a:t> </a:t>
+            </a:r>
+            <a:r>
+              <a:rPr lang="de-DE" b="1" dirty="0">
+                <a:solidFill>
+                  <a:srgbClr val="FF0000"/>
+                </a:solidFill>
+              </a:rPr>
+              <a:t>= </a:t>
+            </a:r>
+            <a:r>
+              <a:rPr lang="de-DE" b="1" dirty="0" err="1">
+                <a:solidFill>
+                  <a:srgbClr val="FF0000"/>
+                </a:solidFill>
+              </a:rPr>
+              <a:t>NSMutableDictionary</a:t>
+            </a:r>
+            <a:r>
+              <a:rPr lang="de-DE" b="1" dirty="0">
+                <a:solidFill>
+                  <a:srgbClr val="FF0000"/>
+                </a:solidFill>
+              </a:rPr>
+              <a:t>()</a:t>
+            </a:r>
+          </a:p>
+          <a:p>
+            <a:r>
+              <a:rPr lang="de-DE" dirty="0" err="1" smtClean="0"/>
+              <a:t>userData</a:t>
+            </a:r>
+            <a:r>
+              <a:rPr lang="de-DE" dirty="0"/>
+              <a:t>["</a:t>
+            </a:r>
+            <a:r>
+              <a:rPr lang="de-DE" dirty="0" err="1"/>
+              <a:t>SpaceshipInfo</a:t>
+            </a:r>
+            <a:r>
+              <a:rPr lang="de-DE" dirty="0"/>
+              <a:t>"] = </a:t>
+            </a:r>
+            <a:r>
+              <a:rPr lang="de-DE" dirty="0" err="1"/>
+              <a:t>SpaceshipInfo</a:t>
+            </a:r>
+            <a:r>
+              <a:rPr lang="de-DE" dirty="0"/>
+              <a:t>(</a:t>
+            </a:r>
+            <a:r>
+              <a:rPr lang="de-DE" dirty="0" err="1"/>
+              <a:t>funkyName</a:t>
+            </a:r>
+            <a:r>
+              <a:rPr lang="de-DE" dirty="0"/>
+              <a:t>: "</a:t>
+            </a:r>
+            <a:r>
+              <a:rPr lang="de-DE" dirty="0" err="1"/>
+              <a:t>Hello</a:t>
+            </a:r>
+            <a:r>
+              <a:rPr lang="de-DE" dirty="0"/>
+              <a:t>")</a:t>
+            </a:r>
+            <a:endParaRPr lang="en-US" dirty="0"/>
+          </a:p>
+        </p:txBody>
+      </p:sp>
+    </p:spTree>
+    <p:extLst>
+      <p:ext uri="{BB962C8B-B14F-4D97-AF65-F5344CB8AC3E}">
+        <p14:creationId xmlns:p14="http://schemas.microsoft.com/office/powerpoint/2010/main" val="3338080258"/>
+      </p:ext>
+    </p:extLst>
+  </p:cSld>
+  <p:clrMapOvr>
+    <a:masterClrMapping/>
+  </p:clrMapOvr>
+</p:sld>
+</file>
+
+<file path=ppt/slides/slide11.xml><?xml version="1.0" encoding="utf-8"?>
+<p:sld xmlns:a="http://schemas.openxmlformats.org/drawingml/2006/main" xmlns:r="http://schemas.openxmlformats.org/officeDocument/2006/relationships" xmlns:p="http://schemas.openxmlformats.org/presentationml/2006/main">
+  <p:cSld>
+    <p:spTree>
+      <p:nvGrpSpPr>
+        <p:cNvPr id="1" name=""/>
+        <p:cNvGrpSpPr/>
+        <p:nvPr/>
+      </p:nvGrpSpPr>
+      <p:grpSpPr>
+        <a:xfrm>
+          <a:off x="0" y="0"/>
+          <a:ext cx="0" cy="0"/>
+          <a:chOff x="0" y="0"/>
+          <a:chExt cx="0" cy="0"/>
+        </a:xfrm>
+      </p:grpSpPr>
+      <p:pic>
+        <p:nvPicPr>
+          <p:cNvPr id="2" name="Picture 1" descr="blogger-logo-small.png"/>
+          <p:cNvPicPr>
+            <a:picLocks noChangeAspect="1"/>
+          </p:cNvPicPr>
+          <p:nvPr/>
+        </p:nvPicPr>
+        <p:blipFill>
+          <a:blip r:embed="rId2">
+            <a:extLst>
+              <a:ext uri="{28A0092B-C50C-407E-A947-70E740481C1C}">
+                <a14:useLocalDpi xmlns:a14="http://schemas.microsoft.com/office/drawing/2010/main" val="0"/>
+              </a:ext>
+            </a:extLst>
+          </a:blip>
+          <a:stretch>
+            <a:fillRect/>
+          </a:stretch>
+        </p:blipFill>
+        <p:spPr>
+          <a:xfrm>
+            <a:off x="1686128" y="2656370"/>
+            <a:ext cx="1524000" cy="431800"/>
+          </a:xfrm>
+          <a:prstGeom prst="rect">
+            <a:avLst/>
+          </a:prstGeom>
+        </p:spPr>
+      </p:pic>
+      <p:sp>
+        <p:nvSpPr>
+          <p:cNvPr id="3" name="TextBox 2"/>
+          <p:cNvSpPr txBox="1"/>
+          <p:nvPr/>
+        </p:nvSpPr>
+        <p:spPr>
+          <a:xfrm>
+            <a:off x="3680562" y="2643796"/>
+            <a:ext cx="3152125" cy="461665"/>
+          </a:xfrm>
+          <a:prstGeom prst="rect">
+            <a:avLst/>
+          </a:prstGeom>
+          <a:noFill/>
+        </p:spPr>
+        <p:txBody>
+          <a:bodyPr wrap="none" rtlCol="0">
+            <a:spAutoFit/>
+          </a:bodyPr>
+          <a:lstStyle/>
+          <a:p>
+            <a:r>
+              <a:rPr lang="en-US" sz="2400" dirty="0" err="1" smtClean="0"/>
+              <a:t>petebarber.blogspot.com</a:t>
+            </a:r>
+            <a:endParaRPr lang="en-US" sz="2400" dirty="0"/>
+          </a:p>
+        </p:txBody>
+      </p:sp>
+      <p:pic>
+        <p:nvPicPr>
+          <p:cNvPr id="4" name="Picture 3" descr="bird_blue_48.png"/>
+          <p:cNvPicPr>
+            <a:picLocks noChangeAspect="1"/>
+          </p:cNvPicPr>
+          <p:nvPr/>
+        </p:nvPicPr>
+        <p:blipFill>
+          <a:blip r:embed="rId3">
+            <a:extLst>
+              <a:ext uri="{28A0092B-C50C-407E-A947-70E740481C1C}">
+                <a14:useLocalDpi xmlns:a14="http://schemas.microsoft.com/office/drawing/2010/main" val="0"/>
+              </a:ext>
+            </a:extLst>
+          </a:blip>
+          <a:stretch>
+            <a:fillRect/>
+          </a:stretch>
+        </p:blipFill>
+        <p:spPr>
+          <a:xfrm>
+            <a:off x="1810000" y="3677743"/>
+            <a:ext cx="558800" cy="444500"/>
+          </a:xfrm>
+          <a:prstGeom prst="rect">
+            <a:avLst/>
+          </a:prstGeom>
+        </p:spPr>
+      </p:pic>
+      <p:sp>
+        <p:nvSpPr>
+          <p:cNvPr id="5" name="TextBox 4"/>
+          <p:cNvSpPr txBox="1"/>
+          <p:nvPr/>
+        </p:nvSpPr>
+        <p:spPr>
+          <a:xfrm>
+            <a:off x="3680562" y="3643760"/>
+            <a:ext cx="3000109" cy="461665"/>
+          </a:xfrm>
+          <a:prstGeom prst="rect">
+            <a:avLst/>
+          </a:prstGeom>
+          <a:noFill/>
+        </p:spPr>
+        <p:txBody>
+          <a:bodyPr wrap="square" rtlCol="0">
+            <a:spAutoFit/>
+          </a:bodyPr>
+          <a:lstStyle/>
+          <a:p>
+            <a:r>
+              <a:rPr lang="en-US" sz="2400" dirty="0" smtClean="0"/>
+              <a:t>@</a:t>
+            </a:r>
+            <a:r>
+              <a:rPr lang="en-US" sz="2400" dirty="0" err="1" smtClean="0"/>
+              <a:t>foobarber</a:t>
+            </a:r>
+            <a:endParaRPr lang="en-US" sz="2400" dirty="0"/>
+          </a:p>
+        </p:txBody>
+      </p:sp>
+      <p:pic>
+        <p:nvPicPr>
+          <p:cNvPr id="6" name="Picture 5" descr="GitHub-Mark-64px.png"/>
+          <p:cNvPicPr>
+            <a:picLocks noChangeAspect="1"/>
+          </p:cNvPicPr>
+          <p:nvPr/>
+        </p:nvPicPr>
+        <p:blipFill>
+          <a:blip r:embed="rId4">
+            <a:extLst>
+              <a:ext uri="{28A0092B-C50C-407E-A947-70E740481C1C}">
+                <a14:useLocalDpi xmlns:a14="http://schemas.microsoft.com/office/drawing/2010/main" val="0"/>
+              </a:ext>
+            </a:extLst>
+          </a:blip>
+          <a:stretch>
+            <a:fillRect/>
+          </a:stretch>
+        </p:blipFill>
+        <p:spPr>
+          <a:xfrm>
+            <a:off x="1686128" y="4441722"/>
+            <a:ext cx="812800" cy="812800"/>
+          </a:xfrm>
+          <a:prstGeom prst="rect">
+            <a:avLst/>
+          </a:prstGeom>
+        </p:spPr>
+      </p:pic>
+      <p:sp>
+        <p:nvSpPr>
+          <p:cNvPr id="7" name="TextBox 6"/>
+          <p:cNvSpPr txBox="1"/>
+          <p:nvPr/>
+        </p:nvSpPr>
+        <p:spPr>
+          <a:xfrm>
+            <a:off x="3680562" y="4592453"/>
+            <a:ext cx="4357127" cy="646331"/>
+          </a:xfrm>
+          <a:prstGeom prst="rect">
+            <a:avLst/>
+          </a:prstGeom>
+          <a:noFill/>
+        </p:spPr>
+        <p:txBody>
+          <a:bodyPr wrap="square" rtlCol="0">
+            <a:spAutoFit/>
+          </a:bodyPr>
+          <a:lstStyle/>
+          <a:p>
+            <a:r>
+              <a:rPr lang="en-US" dirty="0" err="1" smtClean="0"/>
+              <a:t>github.com</a:t>
+            </a:r>
+            <a:r>
+              <a:rPr lang="en-US" dirty="0"/>
+              <a:t>/</a:t>
+            </a:r>
+            <a:r>
+              <a:rPr lang="en-US" dirty="0" err="1"/>
+              <a:t>petebarber</a:t>
+            </a:r>
+            <a:r>
+              <a:rPr lang="en-US" dirty="0"/>
+              <a:t>/</a:t>
+            </a:r>
+            <a:r>
+              <a:rPr lang="en-US" dirty="0" err="1"/>
+              <a:t>Misc</a:t>
+            </a:r>
+            <a:r>
+              <a:rPr lang="en-US" dirty="0"/>
+              <a:t>/tree/master/</a:t>
+            </a:r>
+            <a:r>
+              <a:rPr lang="en-US" dirty="0" err="1"/>
+              <a:t>HowToSubClassSKSpriteNode</a:t>
+            </a:r>
+            <a:endParaRPr lang="en-US" dirty="0"/>
+          </a:p>
+        </p:txBody>
+      </p:sp>
+      <p:sp>
+        <p:nvSpPr>
+          <p:cNvPr id="8" name="TextBox 7"/>
+          <p:cNvSpPr txBox="1"/>
+          <p:nvPr/>
+        </p:nvSpPr>
+        <p:spPr>
+          <a:xfrm>
+            <a:off x="3210128" y="742890"/>
+            <a:ext cx="2234644" cy="800219"/>
+          </a:xfrm>
+          <a:prstGeom prst="rect">
+            <a:avLst/>
+          </a:prstGeom>
+          <a:noFill/>
+        </p:spPr>
+        <p:txBody>
+          <a:bodyPr wrap="none" rtlCol="0">
+            <a:spAutoFit/>
+          </a:bodyPr>
+          <a:lstStyle/>
+          <a:p>
+            <a:r>
+              <a:rPr lang="en-US" sz="4600" dirty="0" smtClean="0"/>
+              <a:t>The End</a:t>
+            </a:r>
+            <a:endParaRPr lang="en-US" sz="4600" dirty="0"/>
+          </a:p>
+        </p:txBody>
+      </p:sp>
+    </p:spTree>
+    <p:extLst>
+      <p:ext uri="{BB962C8B-B14F-4D97-AF65-F5344CB8AC3E}">
+        <p14:creationId xmlns:p14="http://schemas.microsoft.com/office/powerpoint/2010/main" val="3815079408"/>
+      </p:ext>
+    </p:extLst>
+  </p:cSld>
+  <p:clrMapOvr>
+    <a:masterClrMapping/>
+  </p:clrMapOvr>
+</p:sld>
+</file>
+
 <file path=ppt/slides/slide2.xml><?xml version="1.0" encoding="utf-8"?>
 <p:sld xmlns:a="http://schemas.openxmlformats.org/drawingml/2006/main" xmlns:r="http://schemas.openxmlformats.org/officeDocument/2006/relationships" xmlns:p="http://schemas.openxmlformats.org/presentationml/2006/main">
   <p:cSld>
@@ -8576,49 +9726,128 @@
       </p:sp>
       <p:sp>
         <p:nvSpPr>
-          <p:cNvPr id="3" name="Content Placeholder 2"/>
-          <p:cNvSpPr>
-            <a:spLocks noGrp="1"/>
-          </p:cNvSpPr>
-          <p:nvPr>
-            <p:ph idx="1"/>
-          </p:nvPr>
-        </p:nvSpPr>
-        <p:spPr/>
-        <p:txBody>
-          <a:bodyPr/>
+          <p:cNvPr id="4" name="TextBox 3"/>
+          <p:cNvSpPr txBox="1"/>
+          <p:nvPr/>
+        </p:nvSpPr>
+        <p:spPr>
+          <a:xfrm>
+            <a:off x="238135" y="1929973"/>
+            <a:ext cx="8370876" cy="923330"/>
+          </a:xfrm>
+          <a:prstGeom prst="rect">
+            <a:avLst/>
+          </a:prstGeom>
+          <a:noFill/>
+        </p:spPr>
+        <p:txBody>
+          <a:bodyPr wrap="none" rtlCol="0">
+            <a:spAutoFit/>
+          </a:bodyPr>
           <a:lstStyle/>
           <a:p>
-            <a:pPr marL="0" indent="0">
-              <a:buNone/>
-            </a:pPr>
-            <a:r>
-              <a:rPr lang="en-US" dirty="0" smtClean="0">
-                <a:hlinkClick r:id="rId3"/>
-              </a:rPr>
-              <a:t>Simple non sub-classed usage</a:t>
-            </a:r>
-            <a:endParaRPr lang="en-US" dirty="0" smtClean="0"/>
+            <a:r>
+              <a:rPr lang="en-US" dirty="0" smtClean="0"/>
+              <a:t>let </a:t>
+            </a:r>
+            <a:r>
+              <a:rPr lang="en-US" dirty="0"/>
+              <a:t>sprite = </a:t>
+            </a:r>
+            <a:r>
+              <a:rPr lang="en-US" dirty="0" err="1"/>
+              <a:t>SKSpriteNode</a:t>
+            </a:r>
+            <a:r>
+              <a:rPr lang="en-US" dirty="0"/>
+              <a:t>(</a:t>
+            </a:r>
+            <a:r>
+              <a:rPr lang="en-US" dirty="0" err="1"/>
+              <a:t>imageNamed</a:t>
+            </a:r>
+            <a:r>
+              <a:rPr lang="en-US" dirty="0"/>
+              <a:t>: "Spaceship")</a:t>
+            </a:r>
+          </a:p>
+          <a:p>
+            <a:r>
+              <a:rPr lang="en-US" dirty="0" err="1" smtClean="0"/>
+              <a:t>sprite.position</a:t>
+            </a:r>
+            <a:r>
+              <a:rPr lang="en-US" dirty="0" smtClean="0"/>
+              <a:t> </a:t>
+            </a:r>
+            <a:r>
+              <a:rPr lang="en-US" dirty="0"/>
+              <a:t>= </a:t>
+            </a:r>
+            <a:r>
+              <a:rPr lang="en-US" dirty="0" err="1"/>
+              <a:t>CGPoint</a:t>
+            </a:r>
+            <a:r>
+              <a:rPr lang="en-US" dirty="0"/>
+              <a:t>(</a:t>
+            </a:r>
+            <a:r>
+              <a:rPr lang="en-US" dirty="0" err="1"/>
+              <a:t>x:CGRectGetMidX</a:t>
+            </a:r>
+            <a:r>
+              <a:rPr lang="en-US" dirty="0"/>
+              <a:t>(</a:t>
+            </a:r>
+            <a:r>
+              <a:rPr lang="en-US" dirty="0" err="1"/>
+              <a:t>self.frame</a:t>
+            </a:r>
+            <a:r>
+              <a:rPr lang="en-US" dirty="0"/>
+              <a:t>), </a:t>
+            </a:r>
+            <a:r>
+              <a:rPr lang="en-US" dirty="0" err="1"/>
+              <a:t>y:CGRectGetMidY</a:t>
+            </a:r>
+            <a:r>
+              <a:rPr lang="en-US" dirty="0"/>
+              <a:t>(</a:t>
+            </a:r>
+            <a:r>
+              <a:rPr lang="en-US" dirty="0" err="1"/>
+              <a:t>self.frame</a:t>
+            </a:r>
+            <a:r>
+              <a:rPr lang="en-US" dirty="0"/>
+              <a:t>));</a:t>
+            </a:r>
+          </a:p>
+          <a:p>
+            <a:r>
+              <a:rPr lang="en-US" dirty="0" err="1" smtClean="0"/>
+              <a:t>self.addChild</a:t>
+            </a:r>
+            <a:r>
+              <a:rPr lang="en-US" dirty="0"/>
+              <a:t>(sprite)</a:t>
+            </a:r>
+            <a:endParaRPr lang="en-US" dirty="0"/>
           </a:p>
         </p:txBody>
       </p:sp>
     </p:spTree>
     <p:extLst>
       <p:ext uri="{BB962C8B-B14F-4D97-AF65-F5344CB8AC3E}">
-        <p14:creationId xmlns:p14="http://schemas.microsoft.com/office/powerpoint/2010/main" val="3773104995"/>
+        <p14:creationId xmlns:p14="http://schemas.microsoft.com/office/powerpoint/2010/main" val="955080005"/>
       </p:ext>
     </p:extLst>
   </p:cSld>
   <p:clrMapOvr>
     <a:masterClrMapping/>
   </p:clrMapOvr>
-  <p:timing>
-    <p:tnLst>
-      <p:par>
-        <p:cTn xmlns:p14="http://schemas.microsoft.com/office/powerpoint/2010/main" id="1" dur="indefinite" restart="never" nodeType="tmRoot"/>
-      </p:par>
-    </p:tnLst>
-  </p:timing>
 </p:sld>
 </file>
 
@@ -8723,7 +9952,7 @@
           <a:p>
             <a:r>
               <a:rPr lang="en-US" dirty="0" smtClean="0"/>
-              <a:t>What is was like in beta 2</a:t>
+              <a:t>A bit about the samples</a:t>
             </a:r>
             <a:endParaRPr lang="en-US" dirty="0"/>
           </a:p>
@@ -8748,36 +9977,19 @@
               <a:buNone/>
             </a:pPr>
             <a:r>
-              <a:rPr lang="en-US" dirty="0" smtClean="0"/>
-              <a:t>TODO: Example from blog</a:t>
-            </a:r>
-          </a:p>
-          <a:p>
-            <a:pPr marL="0" indent="0">
-              <a:buNone/>
-            </a:pPr>
-            <a:r>
-              <a:rPr lang="en-US" dirty="0" smtClean="0"/>
-              <a:t>Old </a:t>
-            </a:r>
-            <a:r>
               <a:rPr lang="en-US" dirty="0" smtClean="0">
-                <a:hlinkClick r:id="rId2"/>
+                <a:hlinkClick r:id="rId3"/>
               </a:rPr>
-              <a:t>blog post </a:t>
-            </a:r>
-            <a:r>
-              <a:rPr lang="en-US" dirty="0" smtClean="0"/>
-              <a:t>about it</a:t>
-            </a:r>
-            <a:endParaRPr lang="en-US" dirty="0"/>
+              <a:t>Simple non sub-classed usage</a:t>
+            </a:r>
+            <a:endParaRPr lang="en-US" dirty="0" smtClean="0"/>
           </a:p>
         </p:txBody>
       </p:sp>
     </p:spTree>
     <p:extLst>
       <p:ext uri="{BB962C8B-B14F-4D97-AF65-F5344CB8AC3E}">
-        <p14:creationId xmlns:p14="http://schemas.microsoft.com/office/powerpoint/2010/main" val="2275506692"/>
+        <p14:creationId xmlns:p14="http://schemas.microsoft.com/office/powerpoint/2010/main" val="3773104995"/>
       </p:ext>
     </p:extLst>
   </p:cSld>
@@ -8843,7 +10055,7 @@
         <p:spPr>
           <a:xfrm>
             <a:off x="118474" y="1416756"/>
-            <a:ext cx="4153000" cy="3970318"/>
+            <a:ext cx="3986751" cy="2585323"/>
           </a:xfrm>
           <a:prstGeom prst="rect">
             <a:avLst/>
@@ -8891,36 +10103,34 @@
               <a:rPr lang="en-US" dirty="0"/>
               <a:t>    </a:t>
             </a:r>
-          </a:p>
-          <a:p>
-            <a:r>
-              <a:rPr lang="en-US" dirty="0"/>
-              <a:t>    required </a:t>
-            </a:r>
-            <a:r>
-              <a:rPr lang="en-US" dirty="0" err="1"/>
+            <a:r>
+              <a:rPr lang="en-US" dirty="0" smtClean="0"/>
+              <a:t>    </a:t>
+            </a:r>
+            <a:endParaRPr lang="en-US" dirty="0"/>
+          </a:p>
+          <a:p>
+            <a:r>
+              <a:rPr lang="en-US" dirty="0" smtClean="0"/>
+              <a:t>    </a:t>
+            </a:r>
+            <a:r>
+              <a:rPr lang="en-US" dirty="0" err="1" smtClean="0"/>
               <a:t>init</a:t>
             </a:r>
             <a:r>
-              <a:rPr lang="en-US" dirty="0"/>
-              <a:t>(coder </a:t>
-            </a:r>
-            <a:r>
-              <a:rPr lang="en-US" dirty="0" err="1"/>
-              <a:t>aDecoder</a:t>
-            </a:r>
-            <a:r>
-              <a:rPr lang="en-US" dirty="0"/>
-              <a:t>: </a:t>
-            </a:r>
-            <a:r>
-              <a:rPr lang="en-US" dirty="0" err="1"/>
-              <a:t>NSCoder</a:t>
-            </a:r>
-            <a:r>
-              <a:rPr lang="en-US" dirty="0"/>
-              <a:t>!)</a:t>
-            </a:r>
+              <a:rPr lang="en-US" dirty="0" smtClean="0"/>
+              <a:t>(/*</a:t>
+            </a:r>
+            <a:r>
+              <a:rPr lang="en-US" dirty="0" err="1" smtClean="0"/>
+              <a:t>params</a:t>
+            </a:r>
+            <a:r>
+              <a:rPr lang="en-US" dirty="0" smtClean="0"/>
+              <a:t>*/)</a:t>
+            </a:r>
+            <a:endParaRPr lang="en-US" dirty="0"/>
           </a:p>
           <a:p>
             <a:r>
@@ -8939,15 +10149,15 @@
             </a:r>
             <a:r>
               <a:rPr lang="en-US" dirty="0"/>
-              <a:t>(coder: </a:t>
+              <a:t>(</a:t>
             </a:r>
             <a:r>
               <a:rPr lang="en-US" dirty="0" err="1"/>
-              <a:t>aDecoder</a:t>
+              <a:t>imageNamed</a:t>
             </a:r>
             <a:r>
               <a:rPr lang="en-US" dirty="0"/>
-              <a:t>)</a:t>
+              <a:t>: "Spaceship")</a:t>
             </a:r>
           </a:p>
           <a:p>
@@ -8959,63 +10169,8 @@
           <a:p>
             <a:r>
               <a:rPr lang="en-US" dirty="0"/>
-              <a:t>    </a:t>
-            </a:r>
-          </a:p>
-          <a:p>
-            <a:r>
-              <a:rPr lang="en-US" dirty="0"/>
-              <a:t>    override </a:t>
-            </a:r>
-            <a:r>
-              <a:rPr lang="en-US" dirty="0" err="1"/>
-              <a:t>init</a:t>
-            </a:r>
-            <a:r>
-              <a:rPr lang="en-US" dirty="0"/>
-              <a:t>()</a:t>
-            </a:r>
-          </a:p>
-          <a:p>
-            <a:r>
-              <a:rPr lang="en-US" dirty="0"/>
-              <a:t>    {</a:t>
-            </a:r>
-          </a:p>
-          <a:p>
-            <a:r>
-              <a:rPr lang="en-US" dirty="0"/>
-              <a:t>        </a:t>
-            </a:r>
-            <a:r>
-              <a:rPr lang="en-US" dirty="0" err="1"/>
-              <a:t>super.init</a:t>
-            </a:r>
-            <a:r>
-              <a:rPr lang="en-US" dirty="0"/>
-              <a:t>(</a:t>
-            </a:r>
-            <a:r>
-              <a:rPr lang="en-US" dirty="0" err="1"/>
-              <a:t>imageNamed</a:t>
-            </a:r>
-            <a:r>
-              <a:rPr lang="en-US" dirty="0"/>
-              <a:t>: "Spaceship")</a:t>
-            </a:r>
-          </a:p>
-          <a:p>
-            <a:r>
-              <a:rPr lang="en-US" dirty="0"/>
-              <a:t>    }</a:t>
-            </a:r>
-          </a:p>
-          <a:p>
-            <a:r>
-              <a:rPr lang="en-US" dirty="0"/>
               <a:t>}</a:t>
             </a:r>
-            <a:endParaRPr lang="en-US" dirty="0"/>
           </a:p>
         </p:txBody>
       </p:sp>
@@ -9061,7 +10216,7 @@
         </p:nvSpPr>
         <p:spPr>
           <a:xfrm>
-            <a:off x="4058001" y="4433615"/>
+            <a:off x="4058001" y="2984012"/>
             <a:ext cx="5085999" cy="646331"/>
           </a:xfrm>
           <a:prstGeom prst="rect">
@@ -9902,36 +11057,29 @@
           <a:chExt cx="0" cy="0"/>
         </a:xfrm>
       </p:grpSpPr>
-      <p:pic>
-        <p:nvPicPr>
-          <p:cNvPr id="2" name="Picture 1" descr="blogger-logo-small.png"/>
-          <p:cNvPicPr>
-            <a:picLocks noChangeAspect="1"/>
-          </p:cNvPicPr>
-          <p:nvPr/>
-        </p:nvPicPr>
-        <p:blipFill>
-          <a:blip r:embed="rId2">
-            <a:extLst>
-              <a:ext uri="{28A0092B-C50C-407E-A947-70E740481C1C}">
-                <a14:useLocalDpi xmlns:a14="http://schemas.microsoft.com/office/drawing/2010/main" val="0"/>
-              </a:ext>
-            </a:extLst>
-          </a:blip>
-          <a:stretch>
-            <a:fillRect/>
-          </a:stretch>
-        </p:blipFill>
-        <p:spPr>
-          <a:xfrm>
-            <a:off x="1686128" y="2656370"/>
-            <a:ext cx="1524000" cy="431800"/>
-          </a:xfrm>
-          <a:prstGeom prst="rect">
-            <a:avLst/>
-          </a:prstGeom>
-        </p:spPr>
-      </p:pic>
+      <p:sp>
+        <p:nvSpPr>
+          <p:cNvPr id="2" name="Title 1"/>
+          <p:cNvSpPr>
+            <a:spLocks noGrp="1"/>
+          </p:cNvSpPr>
+          <p:nvPr>
+            <p:ph type="title"/>
+          </p:nvPr>
+        </p:nvSpPr>
+        <p:spPr/>
+        <p:txBody>
+          <a:bodyPr/>
+          <a:lstStyle/>
+          <a:p>
+            <a:r>
+              <a:rPr lang="en-US" dirty="0" smtClean="0"/>
+              <a:t>Almost ideal</a:t>
+            </a:r>
+            <a:endParaRPr lang="en-US" dirty="0"/>
+          </a:p>
+        </p:txBody>
+      </p:sp>
       <p:sp>
         <p:nvSpPr>
           <p:cNvPr id="3" name="TextBox 2"/>
@@ -9940,8 +11088,8 @@
         </p:nvSpPr>
         <p:spPr>
           <a:xfrm>
-            <a:off x="3680562" y="2643796"/>
-            <a:ext cx="3152125" cy="461665"/>
+            <a:off x="1710029" y="1371600"/>
+            <a:ext cx="5259485" cy="5355313"/>
           </a:xfrm>
           <a:prstGeom prst="rect">
             <a:avLst/>
@@ -9955,195 +11103,223 @@
           <a:lstStyle/>
           <a:p>
             <a:r>
-              <a:rPr lang="en-US" sz="2400" dirty="0" err="1" smtClean="0"/>
-              <a:t>petebarber.blogspot.com</a:t>
-            </a:r>
-            <a:endParaRPr lang="en-US" sz="2400" dirty="0"/>
-          </a:p>
-        </p:txBody>
-      </p:sp>
-      <p:pic>
-        <p:nvPicPr>
-          <p:cNvPr id="4" name="Picture 3" descr="bird_blue_48.png"/>
-          <p:cNvPicPr>
-            <a:picLocks noChangeAspect="1"/>
-          </p:cNvPicPr>
-          <p:nvPr/>
-        </p:nvPicPr>
-        <p:blipFill>
-          <a:blip r:embed="rId3">
-            <a:extLst>
-              <a:ext uri="{28A0092B-C50C-407E-A947-70E740481C1C}">
-                <a14:useLocalDpi xmlns:a14="http://schemas.microsoft.com/office/drawing/2010/main" val="0"/>
-              </a:ext>
-            </a:extLst>
-          </a:blip>
-          <a:stretch>
-            <a:fillRect/>
-          </a:stretch>
-        </p:blipFill>
-        <p:spPr>
-          <a:xfrm>
-            <a:off x="1810000" y="3677743"/>
-            <a:ext cx="558800" cy="444500"/>
-          </a:xfrm>
-          <a:prstGeom prst="rect">
-            <a:avLst/>
-          </a:prstGeom>
-        </p:spPr>
-      </p:pic>
-      <p:sp>
-        <p:nvSpPr>
-          <p:cNvPr id="5" name="TextBox 4"/>
-          <p:cNvSpPr txBox="1"/>
-          <p:nvPr/>
-        </p:nvSpPr>
-        <p:spPr>
-          <a:xfrm>
-            <a:off x="3680562" y="3643760"/>
-            <a:ext cx="3000109" cy="461665"/>
-          </a:xfrm>
-          <a:prstGeom prst="rect">
-            <a:avLst/>
-          </a:prstGeom>
-          <a:noFill/>
-        </p:spPr>
-        <p:txBody>
-          <a:bodyPr wrap="square" rtlCol="0">
-            <a:spAutoFit/>
-          </a:bodyPr>
-          <a:lstStyle/>
-          <a:p>
-            <a:r>
-              <a:rPr lang="en-US" sz="2400" dirty="0" smtClean="0"/>
-              <a:t>@</a:t>
-            </a:r>
-            <a:r>
-              <a:rPr lang="en-US" sz="2400" dirty="0" err="1" smtClean="0"/>
-              <a:t>foobarber</a:t>
-            </a:r>
-            <a:endParaRPr lang="en-US" sz="2400" dirty="0"/>
-          </a:p>
-        </p:txBody>
-      </p:sp>
-      <p:pic>
-        <p:nvPicPr>
-          <p:cNvPr id="6" name="Picture 5" descr="GitHub-Mark-64px.png"/>
-          <p:cNvPicPr>
-            <a:picLocks noChangeAspect="1"/>
-          </p:cNvPicPr>
-          <p:nvPr/>
-        </p:nvPicPr>
-        <p:blipFill>
-          <a:blip r:embed="rId4">
-            <a:extLst>
-              <a:ext uri="{28A0092B-C50C-407E-A947-70E740481C1C}">
-                <a14:useLocalDpi xmlns:a14="http://schemas.microsoft.com/office/drawing/2010/main" val="0"/>
-              </a:ext>
-            </a:extLst>
-          </a:blip>
-          <a:stretch>
-            <a:fillRect/>
-          </a:stretch>
-        </p:blipFill>
-        <p:spPr>
-          <a:xfrm>
-            <a:off x="1686128" y="4441722"/>
-            <a:ext cx="812800" cy="812800"/>
-          </a:xfrm>
-          <a:prstGeom prst="rect">
-            <a:avLst/>
-          </a:prstGeom>
-        </p:spPr>
-      </p:pic>
-      <p:sp>
-        <p:nvSpPr>
-          <p:cNvPr id="7" name="TextBox 6"/>
-          <p:cNvSpPr txBox="1"/>
-          <p:nvPr/>
-        </p:nvSpPr>
-        <p:spPr>
-          <a:xfrm>
-            <a:off x="3680562" y="4592453"/>
-            <a:ext cx="4357127" cy="646331"/>
-          </a:xfrm>
-          <a:prstGeom prst="rect">
-            <a:avLst/>
-          </a:prstGeom>
-          <a:noFill/>
-        </p:spPr>
-        <p:txBody>
-          <a:bodyPr wrap="square" rtlCol="0">
-            <a:spAutoFit/>
-          </a:bodyPr>
-          <a:lstStyle/>
-          <a:p>
-            <a:r>
-              <a:rPr lang="en-US" dirty="0" err="1" smtClean="0"/>
-              <a:t>github.com</a:t>
-            </a:r>
-            <a:r>
               <a:rPr lang="en-US" dirty="0"/>
-              <a:t>/</a:t>
+              <a:t>class </a:t>
             </a:r>
             <a:r>
               <a:rPr lang="en-US" dirty="0" err="1"/>
-              <a:t>petebarber</a:t>
+              <a:t>HideRequired</a:t>
             </a:r>
             <a:r>
               <a:rPr lang="en-US" dirty="0"/>
-              <a:t>/</a:t>
+              <a:t> : </a:t>
             </a:r>
             <a:r>
               <a:rPr lang="en-US" dirty="0" err="1"/>
-              <a:t>Misc</a:t>
+              <a:t>SKSpriteNode</a:t>
             </a:r>
             <a:r>
               <a:rPr lang="en-US" dirty="0"/>
-              <a:t>/tree/master/</a:t>
+              <a:t> {}</a:t>
+            </a:r>
+          </a:p>
+          <a:p>
+            <a:endParaRPr lang="en-US" dirty="0"/>
+          </a:p>
+          <a:p>
+            <a:r>
+              <a:rPr lang="en-US" dirty="0"/>
+              <a:t>class </a:t>
             </a:r>
             <a:r>
               <a:rPr lang="en-US" dirty="0" err="1"/>
-              <a:t>HowToSubClassSKSpriteNode</a:t>
+              <a:t>MySKSpriteNode</a:t>
+            </a:r>
+            <a:r>
+              <a:rPr lang="en-US" dirty="0"/>
+              <a:t> : </a:t>
+            </a:r>
+            <a:r>
+              <a:rPr lang="en-US" dirty="0" err="1"/>
+              <a:t>HideRequired</a:t>
+            </a:r>
+            <a:r>
+              <a:rPr lang="en-US" dirty="0"/>
+              <a:t> {</a:t>
+            </a:r>
+          </a:p>
+          <a:p>
+            <a:r>
+              <a:rPr lang="en-US" dirty="0"/>
+              <a:t>    </a:t>
+            </a:r>
+            <a:r>
+              <a:rPr lang="en-US" dirty="0" err="1"/>
+              <a:t>init</a:t>
+            </a:r>
+            <a:r>
+              <a:rPr lang="en-US" dirty="0"/>
+              <a:t>(</a:t>
+            </a:r>
+            <a:r>
+              <a:rPr lang="en-US" dirty="0" err="1"/>
+              <a:t>imageNamed</a:t>
+            </a:r>
+            <a:r>
+              <a:rPr lang="en-US" dirty="0"/>
+              <a:t> </a:t>
+            </a:r>
+            <a:r>
+              <a:rPr lang="en-US" dirty="0" err="1"/>
+              <a:t>imageName</a:t>
+            </a:r>
+            <a:r>
+              <a:rPr lang="en-US" dirty="0"/>
+              <a:t>: String) {</a:t>
+            </a:r>
+          </a:p>
+          <a:p>
+            <a:r>
+              <a:rPr lang="ro-RO" dirty="0"/>
+              <a:t>        let color = UIColor()</a:t>
+            </a:r>
+          </a:p>
+          <a:p>
+            <a:r>
+              <a:rPr lang="ro-RO" dirty="0"/>
+              <a:t>        let texture = SKTexture(imageNamed: imageName)</a:t>
+            </a:r>
+          </a:p>
+          <a:p>
+            <a:r>
+              <a:rPr lang="ro-RO" dirty="0"/>
+              <a:t>        let size = texture.size()</a:t>
+            </a:r>
+          </a:p>
+          <a:p>
+            <a:r>
+              <a:rPr lang="ro-RO" dirty="0"/>
+              <a:t>        super.init(texture: texture, color: color, size: size)</a:t>
+            </a:r>
+          </a:p>
+          <a:p>
+            <a:r>
+              <a:rPr lang="ro-RO" dirty="0"/>
+              <a:t>    }</a:t>
+            </a:r>
+          </a:p>
+          <a:p>
+            <a:r>
+              <a:rPr lang="ro-RO" dirty="0"/>
+              <a:t>}</a:t>
+            </a:r>
+          </a:p>
+          <a:p>
+            <a:endParaRPr lang="ro-RO" dirty="0"/>
+          </a:p>
+          <a:p>
+            <a:r>
+              <a:rPr lang="ro-RO" dirty="0"/>
+              <a:t>class WorkingSpaceship : MySKSpriteNode {</a:t>
+            </a:r>
+          </a:p>
+          <a:p>
+            <a:r>
+              <a:rPr lang="ro-RO" dirty="0"/>
+              <a:t>    let fuel: Int</a:t>
+            </a:r>
+          </a:p>
+          <a:p>
+            <a:r>
+              <a:rPr lang="ro-RO" dirty="0"/>
+              <a:t>    </a:t>
+            </a:r>
+          </a:p>
+          <a:p>
+            <a:r>
+              <a:rPr lang="es-ES_tradnl" dirty="0"/>
+              <a:t>    </a:t>
+            </a:r>
+            <a:r>
+              <a:rPr lang="es-ES_tradnl" dirty="0" err="1"/>
+              <a:t>init</a:t>
+            </a:r>
+            <a:r>
+              <a:rPr lang="es-ES_tradnl" dirty="0"/>
+              <a:t>(fuel: </a:t>
+            </a:r>
+            <a:r>
+              <a:rPr lang="es-ES_tradnl" dirty="0" err="1"/>
+              <a:t>Int</a:t>
+            </a:r>
+            <a:r>
+              <a:rPr lang="es-ES_tradnl" dirty="0"/>
+              <a:t>) {</a:t>
+            </a:r>
+          </a:p>
+          <a:p>
+            <a:r>
+              <a:rPr lang="es-ES_tradnl" dirty="0"/>
+              <a:t>        </a:t>
+            </a:r>
+            <a:r>
+              <a:rPr lang="es-ES_tradnl" dirty="0" err="1"/>
+              <a:t>self.fuel</a:t>
+            </a:r>
+            <a:r>
+              <a:rPr lang="es-ES_tradnl" dirty="0"/>
+              <a:t> = fuel</a:t>
+            </a:r>
+          </a:p>
+          <a:p>
+            <a:r>
+              <a:rPr lang="es-ES_tradnl" dirty="0"/>
+              <a:t>        </a:t>
+            </a:r>
+            <a:r>
+              <a:rPr lang="es-ES_tradnl" dirty="0" err="1"/>
+              <a:t>super.init</a:t>
+            </a:r>
+            <a:r>
+              <a:rPr lang="es-ES_tradnl" dirty="0"/>
+              <a:t>(</a:t>
+            </a:r>
+            <a:r>
+              <a:rPr lang="es-ES_tradnl" dirty="0" err="1"/>
+              <a:t>imageNamed</a:t>
+            </a:r>
+            <a:r>
+              <a:rPr lang="es-ES_tradnl" dirty="0"/>
+              <a:t>: "</a:t>
+            </a:r>
+            <a:r>
+              <a:rPr lang="es-ES_tradnl" dirty="0" err="1"/>
+              <a:t>Spaceship</a:t>
+            </a:r>
+            <a:r>
+              <a:rPr lang="es-ES_tradnl" dirty="0"/>
+              <a:t>")</a:t>
+            </a:r>
+          </a:p>
+          <a:p>
+            <a:r>
+              <a:rPr lang="es-ES_tradnl" dirty="0"/>
+              <a:t>    }</a:t>
+            </a:r>
+          </a:p>
+          <a:p>
+            <a:r>
+              <a:rPr lang="es-ES_tradnl" dirty="0"/>
+              <a:t>}</a:t>
             </a:r>
             <a:endParaRPr lang="en-US" dirty="0"/>
-          </a:p>
-        </p:txBody>
-      </p:sp>
-      <p:sp>
-        <p:nvSpPr>
-          <p:cNvPr id="8" name="TextBox 7"/>
-          <p:cNvSpPr txBox="1"/>
-          <p:nvPr/>
-        </p:nvSpPr>
-        <p:spPr>
-          <a:xfrm>
-            <a:off x="3210128" y="742890"/>
-            <a:ext cx="2234644" cy="800219"/>
-          </a:xfrm>
-          <a:prstGeom prst="rect">
-            <a:avLst/>
-          </a:prstGeom>
-          <a:noFill/>
-        </p:spPr>
-        <p:txBody>
-          <a:bodyPr wrap="none" rtlCol="0">
-            <a:spAutoFit/>
-          </a:bodyPr>
-          <a:lstStyle/>
-          <a:p>
-            <a:r>
-              <a:rPr lang="en-US" sz="4600" dirty="0" smtClean="0"/>
-              <a:t>The End</a:t>
-            </a:r>
-            <a:endParaRPr lang="en-US" sz="4600" dirty="0"/>
           </a:p>
         </p:txBody>
       </p:sp>
     </p:spTree>
     <p:extLst>
       <p:ext uri="{BB962C8B-B14F-4D97-AF65-F5344CB8AC3E}">
-        <p14:creationId xmlns:p14="http://schemas.microsoft.com/office/powerpoint/2010/main" val="3815079408"/>
+        <p14:creationId xmlns:p14="http://schemas.microsoft.com/office/powerpoint/2010/main" val="1163105830"/>
       </p:ext>
     </p:extLst>
   </p:cSld>

--- a/HowToSubClassSKSpriteNode/How to subclass SKSpriteNode.pptx
+++ b/HowToSubClassSKSpriteNode/How to subclass SKSpriteNode.pptx
@@ -533,15 +533,7 @@
             </a:pPr>
             <a:r>
               <a:rPr lang="en-US" dirty="0" smtClean="0"/>
-              <a:t>It seems quite a lot of people (</a:t>
-            </a:r>
-            <a:r>
-              <a:rPr lang="en-US" dirty="0" smtClean="0"/>
-              <a:t>myself included) </a:t>
-            </a:r>
-            <a:r>
-              <a:rPr lang="en-US" dirty="0" smtClean="0"/>
-              <a:t>have started</a:t>
+              <a:t>It seems quite a lot of people (myself included) have started</a:t>
             </a:r>
             <a:r>
               <a:rPr lang="en-US" baseline="0" dirty="0" smtClean="0"/>
@@ -583,7 +575,6 @@
               <a:rPr lang="en-US" baseline="0" dirty="0" smtClean="0"/>
               <a:t> Apple suggest it, common OO approach. I suggest there are (at least) two ways you’d like to sub-class. Firstly to implement a specific type of node or secondly a more generic category. </a:t>
             </a:r>
-            <a:endParaRPr lang="en-US" baseline="0" dirty="0" smtClean="0"/>
           </a:p>
           <a:p>
             <a:pPr marL="0" marR="0" indent="0" algn="l" defTabSz="457200" rtl="0" eaLnBrk="1" fontAlgn="auto" latinLnBrk="0" hangingPunct="1">
@@ -628,15 +619,7 @@
             </a:pPr>
             <a:r>
               <a:rPr lang="en-US" baseline="0" dirty="0" smtClean="0"/>
-              <a:t>First</a:t>
-            </a:r>
-            <a:r>
-              <a:rPr lang="en-US" baseline="0" dirty="0" smtClean="0"/>
-              <a:t>, let’s look at the simple classic usage</a:t>
-            </a:r>
-            <a:r>
-              <a:rPr lang="en-US" baseline="0" dirty="0" smtClean="0"/>
-              <a:t>. </a:t>
+              <a:t>First, let’s look at the simple classic usage. </a:t>
             </a:r>
           </a:p>
           <a:p>
@@ -715,6 +698,90 @@
     <p:extLst>
       <p:ext uri="{BB962C8B-B14F-4D97-AF65-F5344CB8AC3E}">
         <p14:creationId xmlns:p14="http://schemas.microsoft.com/office/powerpoint/2010/main" val="2764472257"/>
+      </p:ext>
+    </p:extLst>
+  </p:cSld>
+  <p:clrMapOvr>
+    <a:masterClrMapping/>
+  </p:clrMapOvr>
+</p:notes>
+</file>
+
+<file path=ppt/notesSlides/notesSlide10.xml><?xml version="1.0" encoding="utf-8"?>
+<p:notes xmlns:a="http://schemas.openxmlformats.org/drawingml/2006/main" xmlns:r="http://schemas.openxmlformats.org/officeDocument/2006/relationships" xmlns:p="http://schemas.openxmlformats.org/presentationml/2006/main">
+  <p:cSld>
+    <p:spTree>
+      <p:nvGrpSpPr>
+        <p:cNvPr id="1" name=""/>
+        <p:cNvGrpSpPr/>
+        <p:nvPr/>
+      </p:nvGrpSpPr>
+      <p:grpSpPr>
+        <a:xfrm>
+          <a:off x="0" y="0"/>
+          <a:ext cx="0" cy="0"/>
+          <a:chOff x="0" y="0"/>
+          <a:chExt cx="0" cy="0"/>
+        </a:xfrm>
+      </p:grpSpPr>
+      <p:sp>
+        <p:nvSpPr>
+          <p:cNvPr id="2" name="Slide Image Placeholder 1"/>
+          <p:cNvSpPr>
+            <a:spLocks noGrp="1" noRot="1" noChangeAspect="1"/>
+          </p:cNvSpPr>
+          <p:nvPr>
+            <p:ph type="sldImg"/>
+          </p:nvPr>
+        </p:nvSpPr>
+        <p:spPr/>
+      </p:sp>
+      <p:sp>
+        <p:nvSpPr>
+          <p:cNvPr id="3" name="Notes Placeholder 2"/>
+          <p:cNvSpPr>
+            <a:spLocks noGrp="1"/>
+          </p:cNvSpPr>
+          <p:nvPr>
+            <p:ph type="body" idx="1"/>
+          </p:nvPr>
+        </p:nvSpPr>
+        <p:spPr/>
+        <p:txBody>
+          <a:bodyPr/>
+          <a:lstStyle/>
+          <a:p>
+            <a:endParaRPr lang="en-US"/>
+          </a:p>
+        </p:txBody>
+      </p:sp>
+      <p:sp>
+        <p:nvSpPr>
+          <p:cNvPr id="4" name="Slide Number Placeholder 3"/>
+          <p:cNvSpPr>
+            <a:spLocks noGrp="1"/>
+          </p:cNvSpPr>
+          <p:nvPr>
+            <p:ph type="sldNum" sz="quarter" idx="10"/>
+          </p:nvPr>
+        </p:nvSpPr>
+        <p:spPr/>
+        <p:txBody>
+          <a:bodyPr/>
+          <a:lstStyle/>
+          <a:p>
+            <a:fld id="{468309A8-48D5-AE48-B941-33899EB9A3D7}" type="slidenum">
+              <a:rPr lang="en-US" smtClean="0"/>
+              <a:t>11</a:t>
+            </a:fld>
+            <a:endParaRPr lang="en-US"/>
+          </a:p>
+        </p:txBody>
+      </p:sp>
+    </p:spTree>
+    <p:extLst>
+      <p:ext uri="{BB962C8B-B14F-4D97-AF65-F5344CB8AC3E}">
+        <p14:creationId xmlns:p14="http://schemas.microsoft.com/office/powerpoint/2010/main" val="1957796809"/>
       </p:ext>
     </p:extLst>
   </p:cSld>
@@ -769,30 +836,8 @@
           <a:lstStyle/>
           <a:p>
             <a:r>
-              <a:rPr lang="en-US" dirty="0" smtClean="0"/>
-              <a:t>The examples are embedded within the</a:t>
-            </a:r>
-            <a:r>
               <a:rPr lang="en-US" baseline="0" dirty="0" smtClean="0"/>
-              <a:t> generated game from </a:t>
-            </a:r>
-            <a:r>
-              <a:rPr lang="en-US" baseline="0" dirty="0" err="1" smtClean="0"/>
-              <a:t>Xcode</a:t>
-            </a:r>
-            <a:r>
-              <a:rPr lang="en-US" baseline="0" dirty="0" smtClean="0"/>
-              <a:t> (beta 4). Each method attempts to draw the standard space ship image on the screen.</a:t>
-            </a:r>
-          </a:p>
-          <a:p>
-            <a:r>
-              <a:rPr lang="en-US" baseline="0" dirty="0" err="1" smtClean="0"/>
-              <a:t>addSimpleSpriteNode</a:t>
-            </a:r>
-            <a:r>
-              <a:rPr lang="en-US" baseline="0" dirty="0" smtClean="0"/>
-              <a:t> – uses the </a:t>
+              <a:t>Uses the </a:t>
             </a:r>
             <a:r>
               <a:rPr lang="en-US" baseline="0" dirty="0" err="1" smtClean="0"/>
@@ -810,13 +855,7 @@
               <a:rPr lang="en-US" baseline="0" dirty="0" smtClean="0"/>
               <a:t>) convenience initializer. This is easy to use and is use in most Internet examples.</a:t>
             </a:r>
-          </a:p>
-          <a:p>
-            <a:r>
-              <a:rPr lang="en-US" baseline="0" dirty="0" smtClean="0"/>
-              <a:t>The next step would be to create a pure Spaceship sub-class. Something like</a:t>
-            </a:r>
-            <a:endParaRPr lang="en-US" dirty="0" smtClean="0"/>
+            <a:endParaRPr lang="en-US" dirty="0"/>
           </a:p>
         </p:txBody>
       </p:sp>
@@ -837,7 +876,7 @@
           <a:p>
             <a:fld id="{468309A8-48D5-AE48-B941-33899EB9A3D7}" type="slidenum">
               <a:rPr lang="en-US" smtClean="0"/>
-              <a:t>4</a:t>
+              <a:t>2</a:t>
             </a:fld>
             <a:endParaRPr lang="en-US"/>
           </a:p>
@@ -846,7 +885,7 @@
     </p:spTree>
     <p:extLst>
       <p:ext uri="{BB962C8B-B14F-4D97-AF65-F5344CB8AC3E}">
-        <p14:creationId xmlns:p14="http://schemas.microsoft.com/office/powerpoint/2010/main" val="2421002651"/>
+        <p14:creationId xmlns:p14="http://schemas.microsoft.com/office/powerpoint/2010/main" val="3670455905"/>
       </p:ext>
     </p:extLst>
   </p:cSld>
@@ -902,49 +941,43 @@
           <a:p>
             <a:r>
               <a:rPr lang="en-US" dirty="0" smtClean="0"/>
-              <a:t>However, this doesn’t work.</a:t>
-            </a:r>
-          </a:p>
-          <a:p>
-            <a:r>
-              <a:rPr lang="en-US" dirty="0" smtClean="0"/>
-              <a:t>Swift</a:t>
+              <a:t>The examples are embedded within the</a:t>
             </a:r>
             <a:r>
               <a:rPr lang="en-US" baseline="0" dirty="0" smtClean="0"/>
-              <a:t> </a:t>
+              <a:t> generated game from </a:t>
+            </a:r>
+            <a:r>
+              <a:rPr lang="en-US" baseline="0" dirty="0" err="1" smtClean="0"/>
+              <a:t>Xcode</a:t>
             </a:r>
             <a:r>
               <a:rPr lang="en-US" baseline="0" dirty="0" smtClean="0"/>
-              <a:t>only permits sub-class initializers to cross call to designated or convenience </a:t>
+              <a:t> (beta </a:t>
             </a:r>
             <a:r>
               <a:rPr lang="en-US" baseline="0" dirty="0" smtClean="0"/>
-              <a:t>initializers </a:t>
+              <a:t>5)</a:t>
             </a:r>
             <a:r>
               <a:rPr lang="en-US" baseline="0" dirty="0" smtClean="0"/>
-              <a:t>within the same class and then designated initializers to their superclass parent</a:t>
+              <a:t>. Each method attempts to draw the standard space ship image on the screen.</a:t>
+            </a:r>
+          </a:p>
+          <a:p>
+            <a:r>
+              <a:rPr lang="en-US" baseline="0" dirty="0" err="1" smtClean="0"/>
+              <a:t>addSimpleSpriteNode</a:t>
             </a:r>
             <a:r>
               <a:rPr lang="en-US" baseline="0" dirty="0" smtClean="0"/>
-              <a:t>. </a:t>
-            </a:r>
-            <a:r>
-              <a:rPr lang="en-US" baseline="0" dirty="0" err="1" smtClean="0"/>
-              <a:t>imageNamed</a:t>
+              <a:t>. The </a:t>
             </a:r>
             <a:r>
               <a:rPr lang="en-US" baseline="0" dirty="0" smtClean="0"/>
-              <a:t> is a convenience initializer.</a:t>
-            </a:r>
-          </a:p>
-          <a:p>
-            <a:r>
-              <a:rPr lang="en-US" baseline="0" dirty="0" smtClean="0"/>
-              <a:t>Let’s see how it can be done</a:t>
-            </a:r>
-            <a:endParaRPr lang="en-US" dirty="0"/>
+              <a:t>next step would be to create a pure Spaceship sub-class. Something like</a:t>
+            </a:r>
+            <a:endParaRPr lang="en-US" dirty="0" smtClean="0"/>
           </a:p>
         </p:txBody>
       </p:sp>
@@ -965,7 +998,7 @@
           <a:p>
             <a:fld id="{468309A8-48D5-AE48-B941-33899EB9A3D7}" type="slidenum">
               <a:rPr lang="en-US" smtClean="0"/>
-              <a:t>5</a:t>
+              <a:t>4</a:t>
             </a:fld>
             <a:endParaRPr lang="en-US"/>
           </a:p>
@@ -974,7 +1007,7 @@
     </p:spTree>
     <p:extLst>
       <p:ext uri="{BB962C8B-B14F-4D97-AF65-F5344CB8AC3E}">
-        <p14:creationId xmlns:p14="http://schemas.microsoft.com/office/powerpoint/2010/main" val="549917555"/>
+        <p14:creationId xmlns:p14="http://schemas.microsoft.com/office/powerpoint/2010/main" val="2421002651"/>
       </p:ext>
     </p:extLst>
   </p:cSld>
@@ -1030,11 +1063,17 @@
           <a:p>
             <a:r>
               <a:rPr lang="en-US" dirty="0" smtClean="0"/>
-              <a:t>The</a:t>
+              <a:t>However, this doesn’t work.</a:t>
+            </a:r>
+          </a:p>
+          <a:p>
+            <a:r>
+              <a:rPr lang="en-US" dirty="0" smtClean="0"/>
+              <a:t>Swift</a:t>
             </a:r>
             <a:r>
               <a:rPr lang="en-US" baseline="0" dirty="0" smtClean="0"/>
-              <a:t> best we can do is re-implement the </a:t>
+              <a:t> only permits sub-class initializers to cross call to designated or convenience initializers within the same class and then designated initializers to their superclass parent. </a:t>
             </a:r>
             <a:r>
               <a:rPr lang="en-US" baseline="0" dirty="0" err="1" smtClean="0"/>
@@ -1042,65 +1081,14 @@
             </a:r>
             <a:r>
               <a:rPr lang="en-US" baseline="0" dirty="0" smtClean="0"/>
-              <a:t> functionality. Thanks to SO for this.</a:t>
-            </a:r>
-          </a:p>
-          <a:p>
-            <a:endParaRPr lang="en-US" baseline="0" dirty="0" smtClean="0"/>
-          </a:p>
-          <a:p>
-            <a:pPr marL="0" marR="0" indent="0" algn="l" defTabSz="457200" rtl="0" eaLnBrk="1" fontAlgn="auto" latinLnBrk="0" hangingPunct="1">
-              <a:lnSpc>
-                <a:spcPct val="100000"/>
-              </a:lnSpc>
-              <a:spcBef>
-                <a:spcPts val="0"/>
-              </a:spcBef>
-              <a:spcAft>
-                <a:spcPts val="0"/>
-              </a:spcAft>
-              <a:buClrTx/>
-              <a:buSzTx/>
-              <a:buFontTx/>
-              <a:buNone/>
-              <a:tabLst/>
-              <a:defRPr/>
-            </a:pPr>
+              <a:t> is a convenience initializer.</a:t>
+            </a:r>
+          </a:p>
+          <a:p>
             <a:r>
               <a:rPr lang="en-US" baseline="0" dirty="0" smtClean="0"/>
-              <a:t>You also probably noticed the use of </a:t>
-            </a:r>
-            <a:r>
-              <a:rPr lang="en-US" baseline="0" dirty="0" err="1" smtClean="0"/>
-              <a:t>init</a:t>
-            </a:r>
-            <a:r>
-              <a:rPr lang="en-US" baseline="0" dirty="0" smtClean="0"/>
-              <a:t>(code) method to. The rules say only need to provide if superclass (or protocol) has a required method. The Swift wrapper for </a:t>
-            </a:r>
-            <a:r>
-              <a:rPr lang="en-US" baseline="0" dirty="0" err="1" smtClean="0"/>
-              <a:t>SKSpriteNode</a:t>
-            </a:r>
-            <a:r>
-              <a:rPr lang="en-US" baseline="0" dirty="0" smtClean="0"/>
-              <a:t> doesn’t have one but we’re still forced too</a:t>
-            </a:r>
-            <a:r>
-              <a:rPr lang="en-US" baseline="0" dirty="0" smtClean="0"/>
-              <a:t>. Probably a bug in the Swift wrapper for </a:t>
-            </a:r>
-            <a:r>
-              <a:rPr lang="en-US" baseline="0" dirty="0" err="1" smtClean="0"/>
-              <a:t>SpriteKit</a:t>
-            </a:r>
-            <a:r>
-              <a:rPr lang="en-US" baseline="0" dirty="0" smtClean="0"/>
-              <a:t>. If remember correctly this didn’t exist in the first 2 betas</a:t>
-            </a:r>
-            <a:endParaRPr lang="en-US" dirty="0" smtClean="0"/>
-          </a:p>
-          <a:p>
+              <a:t>Let’s see how it can be done</a:t>
+            </a:r>
             <a:endParaRPr lang="en-US" dirty="0"/>
           </a:p>
         </p:txBody>
@@ -1122,7 +1110,7 @@
           <a:p>
             <a:fld id="{468309A8-48D5-AE48-B941-33899EB9A3D7}" type="slidenum">
               <a:rPr lang="en-US" smtClean="0"/>
-              <a:t>6</a:t>
+              <a:t>5</a:t>
             </a:fld>
             <a:endParaRPr lang="en-US"/>
           </a:p>
@@ -1131,7 +1119,7 @@
     </p:spTree>
     <p:extLst>
       <p:ext uri="{BB962C8B-B14F-4D97-AF65-F5344CB8AC3E}">
-        <p14:creationId xmlns:p14="http://schemas.microsoft.com/office/powerpoint/2010/main" val="2659154380"/>
+        <p14:creationId xmlns:p14="http://schemas.microsoft.com/office/powerpoint/2010/main" val="549917555"/>
       </p:ext>
     </p:extLst>
   </p:cSld>
@@ -1187,66 +1175,45 @@
           <a:p>
             <a:r>
               <a:rPr lang="en-US" dirty="0" smtClean="0"/>
-              <a:t>Oh! It looks like you can sub-class and use </a:t>
-            </a:r>
-            <a:r>
-              <a:rPr lang="en-US" dirty="0" err="1" smtClean="0"/>
+              <a:t>The</a:t>
+            </a:r>
+            <a:r>
+              <a:rPr lang="en-US" baseline="0" dirty="0" smtClean="0"/>
+              <a:t> best we can do is re-implement the </a:t>
+            </a:r>
+            <a:r>
+              <a:rPr lang="en-US" baseline="0" dirty="0" err="1" smtClean="0"/>
               <a:t>imageNamed</a:t>
             </a:r>
             <a:r>
-              <a:rPr lang="en-US" dirty="0" smtClean="0"/>
-              <a:t>.</a:t>
-            </a:r>
-          </a:p>
-          <a:p>
-            <a:endParaRPr lang="en-US" dirty="0" smtClean="0"/>
-          </a:p>
-          <a:p>
-            <a:r>
-              <a:rPr lang="en-US" dirty="0" smtClean="0"/>
-              <a:t>The </a:t>
-            </a:r>
-            <a:r>
-              <a:rPr lang="en-US" dirty="0" smtClean="0"/>
-              <a:t>thing</a:t>
-            </a:r>
-            <a:r>
               <a:rPr lang="en-US" baseline="0" dirty="0" smtClean="0"/>
-              <a:t> to note here is that this class has additional properties and that that either they all have initial values or that they can be default initialized, i.e. </a:t>
-            </a:r>
-            <a:r>
-              <a:rPr lang="en-US" baseline="0" dirty="0" err="1" smtClean="0"/>
-              <a:t>optionals</a:t>
-            </a:r>
+              <a:t> functionality. Thanks to SO for this.</a:t>
+            </a:r>
+          </a:p>
+          <a:p>
+            <a:endParaRPr lang="en-US" baseline="0" dirty="0" smtClean="0"/>
+          </a:p>
+          <a:p>
+            <a:pPr marL="0" marR="0" indent="0" algn="l" defTabSz="457200" rtl="0" eaLnBrk="1" fontAlgn="auto" latinLnBrk="0" hangingPunct="1">
+              <a:lnSpc>
+                <a:spcPct val="100000"/>
+              </a:lnSpc>
+              <a:spcBef>
+                <a:spcPts val="0"/>
+              </a:spcBef>
+              <a:spcAft>
+                <a:spcPts val="0"/>
+              </a:spcAft>
+              <a:buClrTx/>
+              <a:buSzTx/>
+              <a:buFontTx/>
+              <a:buNone/>
+              <a:tabLst/>
+              <a:defRPr/>
+            </a:pPr>
             <a:r>
               <a:rPr lang="en-US" baseline="0" dirty="0" smtClean="0"/>
-              <a:t>. In this case a default </a:t>
-            </a:r>
-            <a:r>
-              <a:rPr lang="en-US" baseline="0" dirty="0" err="1" smtClean="0"/>
-              <a:t>initiializer</a:t>
-            </a:r>
-            <a:r>
-              <a:rPr lang="en-US" baseline="0" dirty="0" smtClean="0"/>
-              <a:t> is generated and all the designated and convenience initializers are inherited.</a:t>
-            </a:r>
-          </a:p>
-          <a:p>
-            <a:endParaRPr lang="en-US" baseline="0" dirty="0" smtClean="0"/>
-          </a:p>
-          <a:p>
-            <a:r>
-              <a:rPr lang="en-US" baseline="0" dirty="0" smtClean="0"/>
-              <a:t>Therefore we can use this one just like the superclass! </a:t>
-            </a:r>
-          </a:p>
-          <a:p>
-            <a:endParaRPr lang="en-US" baseline="0" dirty="0" smtClean="0"/>
-          </a:p>
-          <a:p>
-            <a:r>
-              <a:rPr lang="en-US" baseline="0" dirty="0" smtClean="0"/>
-              <a:t>NOTE: No </a:t>
+              <a:t>You also probably noticed the use of </a:t>
             </a:r>
             <a:r>
               <a:rPr lang="en-US" baseline="0" dirty="0" err="1" smtClean="0"/>
@@ -1254,30 +1221,28 @@
             </a:r>
             <a:r>
               <a:rPr lang="en-US" baseline="0" dirty="0" smtClean="0"/>
-              <a:t>(</a:t>
+              <a:t>(code) method to. The rules say only need to provide if superclass (or protocol) has a required method. The Swift wrapper for </a:t>
             </a:r>
             <a:r>
               <a:rPr lang="en-US" baseline="0" dirty="0" err="1" smtClean="0"/>
-              <a:t>aCoder</a:t>
+              <a:t>SKSpriteNode</a:t>
             </a:r>
             <a:r>
               <a:rPr lang="en-US" baseline="0" dirty="0" smtClean="0"/>
-              <a:t>)</a:t>
-            </a:r>
-          </a:p>
-          <a:p>
-            <a:endParaRPr lang="en-US" baseline="0" dirty="0" smtClean="0"/>
-          </a:p>
-          <a:p>
+              <a:t> doesn’t have one but we’re still forced too. Probably a bug in the Swift wrapper for </a:t>
+            </a:r>
+            <a:r>
+              <a:rPr lang="en-US" baseline="0" dirty="0" err="1" smtClean="0"/>
+              <a:t>SpriteKit</a:t>
+            </a:r>
             <a:r>
               <a:rPr lang="en-US" baseline="0" dirty="0" smtClean="0"/>
-              <a:t>However, it’s probably unlikely you’ll have a sub-class where everything can be default </a:t>
-            </a:r>
-            <a:r>
-              <a:rPr lang="en-US" baseline="0" dirty="0" err="1" smtClean="0"/>
-              <a:t>initiailized</a:t>
-            </a:r>
-            <a:endParaRPr lang="en-US" baseline="0" dirty="0" smtClean="0"/>
+              <a:t>. If remember correctly this didn’t exist in the first 2 betas</a:t>
+            </a:r>
+            <a:endParaRPr lang="en-US" dirty="0" smtClean="0"/>
+          </a:p>
+          <a:p>
+            <a:endParaRPr lang="en-US" dirty="0"/>
           </a:p>
         </p:txBody>
       </p:sp>
@@ -1298,7 +1263,7 @@
           <a:p>
             <a:fld id="{468309A8-48D5-AE48-B941-33899EB9A3D7}" type="slidenum">
               <a:rPr lang="en-US" smtClean="0"/>
-              <a:t>7</a:t>
+              <a:t>6</a:t>
             </a:fld>
             <a:endParaRPr lang="en-US"/>
           </a:p>
@@ -1307,7 +1272,7 @@
     </p:spTree>
     <p:extLst>
       <p:ext uri="{BB962C8B-B14F-4D97-AF65-F5344CB8AC3E}">
-        <p14:creationId xmlns:p14="http://schemas.microsoft.com/office/powerpoint/2010/main" val="3036615977"/>
+        <p14:creationId xmlns:p14="http://schemas.microsoft.com/office/powerpoint/2010/main" val="2659154380"/>
       </p:ext>
     </p:extLst>
   </p:cSld>
@@ -1362,16 +1327,45 @@
           <a:lstStyle/>
           <a:p>
             <a:r>
+              <a:rPr lang="en-US" dirty="0" smtClean="0"/>
+              <a:t>Oh! It looks like you can sub-class and use </a:t>
+            </a:r>
+            <a:r>
+              <a:rPr lang="en-US" dirty="0" err="1" smtClean="0"/>
+              <a:t>imageNamed</a:t>
+            </a:r>
+            <a:r>
+              <a:rPr lang="en-US" dirty="0" smtClean="0"/>
+              <a:t>.</a:t>
+            </a:r>
+          </a:p>
+          <a:p>
+            <a:endParaRPr lang="en-US" dirty="0" smtClean="0"/>
+          </a:p>
+          <a:p>
+            <a:r>
+              <a:rPr lang="en-US" dirty="0" smtClean="0"/>
+              <a:t>The thing</a:t>
+            </a:r>
+            <a:r>
               <a:rPr lang="en-US" baseline="0" dirty="0" smtClean="0"/>
-              <a:t>In </a:t>
+              <a:t> to note here is that this class has additional properties and that that either they all have initial values or that they can be default initialized, i.e. </a:t>
+            </a:r>
+            <a:r>
+              <a:rPr lang="en-US" baseline="0" dirty="0" err="1" smtClean="0"/>
+              <a:t>optionals</a:t>
             </a:r>
             <a:r>
               <a:rPr lang="en-US" baseline="0" dirty="0" smtClean="0"/>
-              <a:t>this case it’s really just the full sub-class approach again</a:t>
+              <a:t>. In this case a default </a:t>
+            </a:r>
+            <a:r>
+              <a:rPr lang="en-US" baseline="0" dirty="0" err="1" smtClean="0"/>
+              <a:t>initiializer</a:t>
             </a:r>
             <a:r>
               <a:rPr lang="en-US" baseline="0" dirty="0" smtClean="0"/>
-              <a:t>.</a:t>
+              <a:t> is generated and all the designated and convenience initializers are inherited.</a:t>
             </a:r>
           </a:p>
           <a:p>
@@ -1380,19 +1374,46 @@
           <a:p>
             <a:r>
               <a:rPr lang="en-US" baseline="0" dirty="0" smtClean="0"/>
-              <a:t>This doesn’t really offer much in the way of using the convenience </a:t>
+              <a:t>Therefore we can use this one just like the superclass! </a:t>
+            </a:r>
+          </a:p>
+          <a:p>
+            <a:endParaRPr lang="en-US" baseline="0" dirty="0" smtClean="0"/>
+          </a:p>
+          <a:p>
+            <a:r>
+              <a:rPr lang="en-US" baseline="0" dirty="0" smtClean="0"/>
+              <a:t>NOTE: No </a:t>
             </a:r>
             <a:r>
               <a:rPr lang="en-US" baseline="0" dirty="0" err="1" smtClean="0"/>
-              <a:t>imageNamed</a:t>
+              <a:t>init</a:t>
             </a:r>
             <a:r>
               <a:rPr lang="en-US" baseline="0" dirty="0" smtClean="0"/>
-              <a:t> constructor  but at least it might prevent you from banging your head against the wall trying to find out why it can’t be done.</a:t>
-            </a:r>
+              <a:t>(</a:t>
+            </a:r>
+            <a:r>
+              <a:rPr lang="en-US" baseline="0" dirty="0" err="1" smtClean="0"/>
+              <a:t>aCoder</a:t>
+            </a:r>
+            <a:r>
+              <a:rPr lang="en-US" baseline="0" dirty="0" smtClean="0"/>
+              <a:t>)</a:t>
+            </a:r>
+          </a:p>
+          <a:p>
             <a:endParaRPr lang="en-US" baseline="0" dirty="0" smtClean="0"/>
           </a:p>
           <a:p>
+            <a:r>
+              <a:rPr lang="en-US" baseline="0" dirty="0" smtClean="0"/>
+              <a:t>However, it’s probably unlikely you’ll have a sub-class where everything can be default </a:t>
+            </a:r>
+            <a:r>
+              <a:rPr lang="en-US" baseline="0" dirty="0" err="1" smtClean="0"/>
+              <a:t>initiailized</a:t>
+            </a:r>
             <a:endParaRPr lang="en-US" baseline="0" dirty="0" smtClean="0"/>
           </a:p>
         </p:txBody>
@@ -1414,7 +1435,7 @@
           <a:p>
             <a:fld id="{468309A8-48D5-AE48-B941-33899EB9A3D7}" type="slidenum">
               <a:rPr lang="en-US" smtClean="0"/>
-              <a:t>8</a:t>
+              <a:t>7</a:t>
             </a:fld>
             <a:endParaRPr lang="en-US"/>
           </a:p>
@@ -1423,7 +1444,7 @@
     </p:spTree>
     <p:extLst>
       <p:ext uri="{BB962C8B-B14F-4D97-AF65-F5344CB8AC3E}">
-        <p14:creationId xmlns:p14="http://schemas.microsoft.com/office/powerpoint/2010/main" val="295696205"/>
+        <p14:creationId xmlns:p14="http://schemas.microsoft.com/office/powerpoint/2010/main" val="3036615977"/>
       </p:ext>
     </p:extLst>
   </p:cSld>
@@ -1478,6 +1499,113 @@
           <a:lstStyle/>
           <a:p>
             <a:r>
+              <a:rPr lang="en-US" baseline="0" dirty="0" smtClean="0"/>
+              <a:t>In this case it’s really just the full sub-class approach again.</a:t>
+            </a:r>
+          </a:p>
+          <a:p>
+            <a:endParaRPr lang="en-US" baseline="0" dirty="0" smtClean="0"/>
+          </a:p>
+          <a:p>
+            <a:r>
+              <a:rPr lang="en-US" baseline="0" dirty="0" smtClean="0"/>
+              <a:t>This doesn’t really offer much in the way of using the convenience </a:t>
+            </a:r>
+            <a:r>
+              <a:rPr lang="en-US" baseline="0" dirty="0" err="1" smtClean="0"/>
+              <a:t>imageNamed</a:t>
+            </a:r>
+            <a:r>
+              <a:rPr lang="en-US" baseline="0" dirty="0" smtClean="0"/>
+              <a:t> constructor  but at least it might prevent you from banging your head against the wall trying to find out why it can’t be done.</a:t>
+            </a:r>
+          </a:p>
+          <a:p>
+            <a:endParaRPr lang="en-US" baseline="0" dirty="0" smtClean="0"/>
+          </a:p>
+        </p:txBody>
+      </p:sp>
+      <p:sp>
+        <p:nvSpPr>
+          <p:cNvPr id="4" name="Slide Number Placeholder 3"/>
+          <p:cNvSpPr>
+            <a:spLocks noGrp="1"/>
+          </p:cNvSpPr>
+          <p:nvPr>
+            <p:ph type="sldNum" sz="quarter" idx="10"/>
+          </p:nvPr>
+        </p:nvSpPr>
+        <p:spPr/>
+        <p:txBody>
+          <a:bodyPr/>
+          <a:lstStyle/>
+          <a:p>
+            <a:fld id="{468309A8-48D5-AE48-B941-33899EB9A3D7}" type="slidenum">
+              <a:rPr lang="en-US" smtClean="0"/>
+              <a:t>8</a:t>
+            </a:fld>
+            <a:endParaRPr lang="en-US"/>
+          </a:p>
+        </p:txBody>
+      </p:sp>
+    </p:spTree>
+    <p:extLst>
+      <p:ext uri="{BB962C8B-B14F-4D97-AF65-F5344CB8AC3E}">
+        <p14:creationId xmlns:p14="http://schemas.microsoft.com/office/powerpoint/2010/main" val="295696205"/>
+      </p:ext>
+    </p:extLst>
+  </p:cSld>
+  <p:clrMapOvr>
+    <a:masterClrMapping/>
+  </p:clrMapOvr>
+</p:notes>
+</file>
+
+<file path=ppt/notesSlides/notesSlide8.xml><?xml version="1.0" encoding="utf-8"?>
+<p:notes xmlns:a="http://schemas.openxmlformats.org/drawingml/2006/main" xmlns:r="http://schemas.openxmlformats.org/officeDocument/2006/relationships" xmlns:p="http://schemas.openxmlformats.org/presentationml/2006/main">
+  <p:cSld>
+    <p:spTree>
+      <p:nvGrpSpPr>
+        <p:cNvPr id="1" name=""/>
+        <p:cNvGrpSpPr/>
+        <p:nvPr/>
+      </p:nvGrpSpPr>
+      <p:grpSpPr>
+        <a:xfrm>
+          <a:off x="0" y="0"/>
+          <a:ext cx="0" cy="0"/>
+          <a:chOff x="0" y="0"/>
+          <a:chExt cx="0" cy="0"/>
+        </a:xfrm>
+      </p:grpSpPr>
+      <p:sp>
+        <p:nvSpPr>
+          <p:cNvPr id="2" name="Slide Image Placeholder 1"/>
+          <p:cNvSpPr>
+            <a:spLocks noGrp="1" noRot="1" noChangeAspect="1"/>
+          </p:cNvSpPr>
+          <p:nvPr>
+            <p:ph type="sldImg"/>
+          </p:nvPr>
+        </p:nvSpPr>
+        <p:spPr/>
+      </p:sp>
+      <p:sp>
+        <p:nvSpPr>
+          <p:cNvPr id="3" name="Notes Placeholder 2"/>
+          <p:cNvSpPr>
+            <a:spLocks noGrp="1"/>
+          </p:cNvSpPr>
+          <p:nvPr>
+            <p:ph type="body" idx="1"/>
+          </p:nvPr>
+        </p:nvSpPr>
+        <p:spPr/>
+        <p:txBody>
+          <a:bodyPr/>
+          <a:lstStyle/>
+          <a:p>
+            <a:r>
               <a:rPr lang="en-US" dirty="0" err="1" smtClean="0"/>
               <a:t>HideRequired</a:t>
             </a:r>
@@ -1577,7 +1705,7 @@
 </p:notes>
 </file>
 
-<file path=ppt/notesSlides/notesSlide8.xml><?xml version="1.0" encoding="utf-8"?>
+<file path=ppt/notesSlides/notesSlide9.xml><?xml version="1.0" encoding="utf-8"?>
 <p:notes xmlns:a="http://schemas.openxmlformats.org/drawingml/2006/main" xmlns:r="http://schemas.openxmlformats.org/officeDocument/2006/relationships" xmlns:p="http://schemas.openxmlformats.org/presentationml/2006/main">
   <p:cSld>
     <p:spTree>
@@ -9413,6 +9541,13 @@
   <p:clrMapOvr>
     <a:masterClrMapping/>
   </p:clrMapOvr>
+  <p:timing>
+    <p:tnLst>
+      <p:par>
+        <p:cTn xmlns:p14="http://schemas.microsoft.com/office/powerpoint/2010/main" id="1" dur="indefinite" restart="never" nodeType="tmRoot"/>
+      </p:par>
+    </p:tnLst>
+  </p:timing>
 </p:sld>
 </file>
 
@@ -9442,7 +9577,7 @@
           <p:nvPr/>
         </p:nvPicPr>
         <p:blipFill>
-          <a:blip r:embed="rId2">
+          <a:blip r:embed="rId3">
             <a:extLst>
               <a:ext uri="{28A0092B-C50C-407E-A947-70E740481C1C}">
                 <a14:useLocalDpi xmlns:a14="http://schemas.microsoft.com/office/drawing/2010/main" val="0"/>
@@ -9502,7 +9637,7 @@
           <p:nvPr/>
         </p:nvPicPr>
         <p:blipFill>
-          <a:blip r:embed="rId3">
+          <a:blip r:embed="rId4">
             <a:extLst>
               <a:ext uri="{28A0092B-C50C-407E-A947-70E740481C1C}">
                 <a14:useLocalDpi xmlns:a14="http://schemas.microsoft.com/office/drawing/2010/main" val="0"/>
@@ -9566,7 +9701,7 @@
           <p:nvPr/>
         </p:nvPicPr>
         <p:blipFill>
-          <a:blip r:embed="rId4">
+          <a:blip r:embed="rId5">
             <a:extLst>
               <a:ext uri="{28A0092B-C50C-407E-A947-70E740481C1C}">
                 <a14:useLocalDpi xmlns:a14="http://schemas.microsoft.com/office/drawing/2010/main" val="0"/>
@@ -9681,6 +9816,13 @@
   <p:clrMapOvr>
     <a:masterClrMapping/>
   </p:clrMapOvr>
+  <p:timing>
+    <p:tnLst>
+      <p:par>
+        <p:cTn xmlns:p14="http://schemas.microsoft.com/office/powerpoint/2010/main" id="1" dur="indefinite" restart="never" nodeType="tmRoot"/>
+      </p:par>
+    </p:tnLst>
+  </p:timing>
 </p:sld>
 </file>
 
@@ -9834,7 +9976,6 @@
               <a:rPr lang="en-US" dirty="0"/>
               <a:t>(sprite)</a:t>
             </a:r>
-            <a:endParaRPr lang="en-US" dirty="0"/>
           </a:p>
         </p:txBody>
       </p:sp>
@@ -9848,6 +9989,13 @@
   <p:clrMapOvr>
     <a:masterClrMapping/>
   </p:clrMapOvr>
+  <p:timing>
+    <p:tnLst>
+      <p:par>
+        <p:cTn xmlns:p14="http://schemas.microsoft.com/office/powerpoint/2010/main" id="1" dur="indefinite" restart="never" nodeType="tmRoot"/>
+      </p:par>
+    </p:tnLst>
+  </p:timing>
 </p:sld>
 </file>
 
@@ -11037,6 +11185,13 @@
   <p:clrMapOvr>
     <a:masterClrMapping/>
   </p:clrMapOvr>
+  <p:timing>
+    <p:tnLst>
+      <p:par>
+        <p:cTn xmlns:p14="http://schemas.microsoft.com/office/powerpoint/2010/main" id="1" dur="indefinite" restart="never" nodeType="tmRoot"/>
+      </p:par>
+    </p:tnLst>
+  </p:timing>
 </p:sld>
 </file>
 
@@ -11326,6 +11481,13 @@
   <p:clrMapOvr>
     <a:masterClrMapping/>
   </p:clrMapOvr>
+  <p:timing>
+    <p:tnLst>
+      <p:par>
+        <p:cTn xmlns:p14="http://schemas.microsoft.com/office/powerpoint/2010/main" id="1" dur="indefinite" restart="never" nodeType="tmRoot"/>
+      </p:par>
+    </p:tnLst>
+  </p:timing>
 </p:sld>
 </file>
 

--- a/HowToSubClassSKSpriteNode/How to subclass SKSpriteNode.pptx
+++ b/HowToSubClassSKSpriteNode/How to subclass SKSpriteNode.pptx
@@ -202,7 +202,7 @@
           <a:p>
             <a:fld id="{89AA29B9-CF14-5E4F-ACFC-499BA00E8919}" type="datetimeFigureOut">
               <a:rPr lang="en-US" smtClean="0"/>
-              <a:t>16/08/2014</a:t>
+              <a:t>18/08/2014</a:t>
             </a:fld>
             <a:endParaRPr lang="en-US"/>
           </a:p>
@@ -568,58 +568,12 @@
               <a:defRPr/>
             </a:pPr>
             <a:r>
-              <a:rPr lang="en-US" dirty="0" smtClean="0"/>
-              <a:t>Why sub-class?</a:t>
-            </a:r>
-            <a:r>
               <a:rPr lang="en-US" baseline="0" dirty="0" smtClean="0"/>
-              <a:t> Apple suggest it, common OO approach. I suggest there are (at least) two ways you’d like to sub-class. Firstly to implement a specific type of node or secondly a more generic category. </a:t>
-            </a:r>
-          </a:p>
-          <a:p>
-            <a:pPr marL="0" marR="0" indent="0" algn="l" defTabSz="457200" rtl="0" eaLnBrk="1" fontAlgn="auto" latinLnBrk="0" hangingPunct="1">
-              <a:lnSpc>
-                <a:spcPct val="100000"/>
-              </a:lnSpc>
-              <a:spcBef>
-                <a:spcPts val="0"/>
-              </a:spcBef>
-              <a:spcAft>
-                <a:spcPts val="0"/>
-              </a:spcAft>
-              <a:buClrTx/>
-              <a:buSzTx/>
-              <a:buFontTx/>
-              <a:buNone/>
-              <a:tabLst/>
-              <a:defRPr/>
-            </a:pPr>
+              <a:t>First</a:t>
+            </a:r>
             <a:r>
               <a:rPr lang="en-US" baseline="0" dirty="0" smtClean="0"/>
-              <a:t>However, compared to simple usage sub-classing can become a little frustrating</a:t>
-            </a:r>
-          </a:p>
-          <a:p>
-            <a:pPr marL="0" marR="0" indent="0" algn="l" defTabSz="457200" rtl="0" eaLnBrk="1" fontAlgn="auto" latinLnBrk="0" hangingPunct="1">
-              <a:lnSpc>
-                <a:spcPct val="100000"/>
-              </a:lnSpc>
-              <a:spcBef>
-                <a:spcPts val="0"/>
-              </a:spcBef>
-              <a:spcAft>
-                <a:spcPts val="0"/>
-              </a:spcAft>
-              <a:buClrTx/>
-              <a:buSzTx/>
-              <a:buFontTx/>
-              <a:buNone/>
-              <a:tabLst/>
-              <a:defRPr/>
-            </a:pPr>
-            <a:r>
-              <a:rPr lang="en-US" baseline="0" dirty="0" smtClean="0"/>
-              <a:t>First, let’s look at the simple classic usage. </a:t>
+              <a:t>, let’s look at the simple classic usage. </a:t>
             </a:r>
           </a:p>
           <a:p>
@@ -953,15 +907,7 @@
             </a:r>
             <a:r>
               <a:rPr lang="en-US" baseline="0" dirty="0" smtClean="0"/>
-              <a:t> (beta </a:t>
-            </a:r>
-            <a:r>
-              <a:rPr lang="en-US" baseline="0" dirty="0" smtClean="0"/>
-              <a:t>5)</a:t>
-            </a:r>
-            <a:r>
-              <a:rPr lang="en-US" baseline="0" dirty="0" smtClean="0"/>
-              <a:t>. Each method attempts to draw the standard space ship image on the screen.</a:t>
+              <a:t> (beta 5). Each method attempts to draw the standard space ship image on the screen.</a:t>
             </a:r>
           </a:p>
           <a:p>
@@ -971,7 +917,70 @@
             </a:r>
             <a:r>
               <a:rPr lang="en-US" baseline="0" dirty="0" smtClean="0"/>
-              <a:t>. The </a:t>
+              <a:t>. </a:t>
+            </a:r>
+            <a:endParaRPr lang="en-US" baseline="0" dirty="0" smtClean="0"/>
+          </a:p>
+          <a:p>
+            <a:endParaRPr lang="en-US" baseline="0" dirty="0" smtClean="0"/>
+          </a:p>
+          <a:p>
+            <a:pPr marL="0" marR="0" indent="0" algn="l" defTabSz="457200" rtl="0" eaLnBrk="1" fontAlgn="auto" latinLnBrk="0" hangingPunct="1">
+              <a:lnSpc>
+                <a:spcPct val="100000"/>
+              </a:lnSpc>
+              <a:spcBef>
+                <a:spcPts val="0"/>
+              </a:spcBef>
+              <a:spcAft>
+                <a:spcPts val="0"/>
+              </a:spcAft>
+              <a:buClrTx/>
+              <a:buSzTx/>
+              <a:buFontTx/>
+              <a:buNone/>
+              <a:tabLst/>
+              <a:defRPr/>
+            </a:pPr>
+            <a:r>
+              <a:rPr lang="en-US" dirty="0" smtClean="0"/>
+              <a:t>Why sub-class?</a:t>
+            </a:r>
+            <a:r>
+              <a:rPr lang="en-US" baseline="0" dirty="0" smtClean="0"/>
+              <a:t> Apple suggest it, common OO approach. I suggest there are (at least) two ways you’d like to sub-class. Firstly to implement a specific type of node or secondly a more generic category such as Enemy etc.</a:t>
+            </a:r>
+          </a:p>
+          <a:p>
+            <a:pPr marL="0" marR="0" indent="0" algn="l" defTabSz="457200" rtl="0" eaLnBrk="1" fontAlgn="auto" latinLnBrk="0" hangingPunct="1">
+              <a:lnSpc>
+                <a:spcPct val="100000"/>
+              </a:lnSpc>
+              <a:spcBef>
+                <a:spcPts val="0"/>
+              </a:spcBef>
+              <a:spcAft>
+                <a:spcPts val="0"/>
+              </a:spcAft>
+              <a:buClrTx/>
+              <a:buSzTx/>
+              <a:buFontTx/>
+              <a:buNone/>
+              <a:tabLst/>
+              <a:defRPr/>
+            </a:pPr>
+            <a:r>
+              <a:rPr lang="en-US" baseline="0" dirty="0" smtClean="0"/>
+              <a:t>However, compared to simple usage sub-classing can become a little frustrating</a:t>
+            </a:r>
+          </a:p>
+          <a:p>
+            <a:endParaRPr lang="en-US" baseline="0" dirty="0" smtClean="0"/>
+          </a:p>
+          <a:p>
+            <a:r>
+              <a:rPr lang="en-US" baseline="0" dirty="0" smtClean="0"/>
+              <a:t>The </a:t>
             </a:r>
             <a:r>
               <a:rPr lang="en-US" baseline="0" dirty="0" smtClean="0"/>
@@ -1081,8 +1090,13 @@
             </a:r>
             <a:r>
               <a:rPr lang="en-US" baseline="0" dirty="0" smtClean="0"/>
-              <a:t> is a convenience initializer.</a:t>
-            </a:r>
+              <a:t> is a convenience </a:t>
+            </a:r>
+            <a:r>
+              <a:rPr lang="en-US" baseline="0" dirty="0" smtClean="0"/>
+              <a:t>initializer so can’t be called somewhat inconveniently. </a:t>
+            </a:r>
+            <a:endParaRPr lang="en-US" baseline="0" dirty="0" smtClean="0"/>
           </a:p>
           <a:p>
             <a:r>
@@ -1237,7 +1251,54 @@
             </a:r>
             <a:r>
               <a:rPr lang="en-US" baseline="0" dirty="0" smtClean="0"/>
-              <a:t>. If remember correctly this didn’t exist in the first 2 betas</a:t>
+              <a:t>. If remember correctly this didn’t exist in the first 2 </a:t>
+            </a:r>
+            <a:r>
+              <a:rPr lang="en-US" baseline="0" dirty="0" smtClean="0"/>
+              <a:t>betas.</a:t>
+            </a:r>
+          </a:p>
+          <a:p>
+            <a:pPr marL="0" marR="0" indent="0" algn="l" defTabSz="457200" rtl="0" eaLnBrk="1" fontAlgn="auto" latinLnBrk="0" hangingPunct="1">
+              <a:lnSpc>
+                <a:spcPct val="100000"/>
+              </a:lnSpc>
+              <a:spcBef>
+                <a:spcPts val="0"/>
+              </a:spcBef>
+              <a:spcAft>
+                <a:spcPts val="0"/>
+              </a:spcAft>
+              <a:buClrTx/>
+              <a:buSzTx/>
+              <a:buFontTx/>
+              <a:buNone/>
+              <a:tabLst/>
+              <a:defRPr/>
+            </a:pPr>
+            <a:endParaRPr lang="en-US" baseline="0" dirty="0" smtClean="0"/>
+          </a:p>
+          <a:p>
+            <a:pPr marL="0" marR="0" indent="0" algn="l" defTabSz="457200" rtl="0" eaLnBrk="1" fontAlgn="auto" latinLnBrk="0" hangingPunct="1">
+              <a:lnSpc>
+                <a:spcPct val="100000"/>
+              </a:lnSpc>
+              <a:spcBef>
+                <a:spcPts val="0"/>
+              </a:spcBef>
+              <a:spcAft>
+                <a:spcPts val="0"/>
+              </a:spcAft>
+              <a:buClrTx/>
+              <a:buSzTx/>
+              <a:buFontTx/>
+              <a:buNone/>
+              <a:tabLst/>
+              <a:defRPr/>
+            </a:pPr>
+            <a:r>
+              <a:rPr lang="en-US" baseline="0" dirty="0" smtClean="0"/>
+              <a:t>Now an interesting case</a:t>
             </a:r>
             <a:endParaRPr lang="en-US" dirty="0" smtClean="0"/>
           </a:p>
@@ -1336,8 +1397,9 @@
             </a:r>
             <a:r>
               <a:rPr lang="en-US" dirty="0" smtClean="0"/>
-              <a:t>.</a:t>
-            </a:r>
+              <a:t>. This can be used just like the original example.</a:t>
+            </a:r>
+            <a:endParaRPr lang="en-US" dirty="0" smtClean="0"/>
           </a:p>
           <a:p>
             <a:endParaRPr lang="en-US" dirty="0" smtClean="0"/>
@@ -1365,7 +1427,15 @@
             </a:r>
             <a:r>
               <a:rPr lang="en-US" baseline="0" dirty="0" smtClean="0"/>
-              <a:t> is generated and all the designated and convenience initializers are inherited.</a:t>
+              <a:t> is generated and </a:t>
+            </a:r>
+            <a:r>
+              <a:rPr lang="en-US" baseline="0" dirty="0" smtClean="0"/>
+              <a:t>the Swift rules say that all </a:t>
+            </a:r>
+            <a:r>
+              <a:rPr lang="en-US" baseline="0" dirty="0" smtClean="0"/>
+              <a:t>the designated and convenience initializers are inherited.</a:t>
             </a:r>
           </a:p>
           <a:p>
@@ -1399,8 +1469,9 @@
             </a:r>
             <a:r>
               <a:rPr lang="en-US" baseline="0" dirty="0" smtClean="0"/>
-              <a:t>)</a:t>
-            </a:r>
+              <a:t>) as it’s inherited</a:t>
+            </a:r>
+            <a:endParaRPr lang="en-US" baseline="0" dirty="0" smtClean="0"/>
           </a:p>
           <a:p>
             <a:endParaRPr lang="en-US" baseline="0" dirty="0" smtClean="0"/>
@@ -1413,6 +1484,10 @@
             <a:r>
               <a:rPr lang="en-US" baseline="0" dirty="0" err="1" smtClean="0"/>
               <a:t>initiailized</a:t>
+            </a:r>
+            <a:r>
+              <a:rPr lang="en-US" baseline="0" dirty="0" smtClean="0"/>
+              <a:t> so let’s see how we can implement a more general sub-class</a:t>
             </a:r>
             <a:endParaRPr lang="en-US" baseline="0" dirty="0" smtClean="0"/>
           </a:p>
@@ -1500,7 +1575,11 @@
           <a:p>
             <a:r>
               <a:rPr lang="en-US" baseline="0" dirty="0" smtClean="0"/>
-              <a:t>In this case it’s really just the full sub-class approach again.</a:t>
+              <a:t>In this case it’s really just the full sub-class approach again</a:t>
+            </a:r>
+            <a:r>
+              <a:rPr lang="en-US" baseline="0" dirty="0" smtClean="0"/>
+              <a:t>.</a:t>
             </a:r>
           </a:p>
           <a:p>
@@ -1509,16 +1588,12 @@
           <a:p>
             <a:r>
               <a:rPr lang="en-US" baseline="0" dirty="0" smtClean="0"/>
-              <a:t>This doesn’t really offer much in the way of using the convenience </a:t>
-            </a:r>
-            <a:r>
-              <a:rPr lang="en-US" baseline="0" dirty="0" err="1" smtClean="0"/>
-              <a:t>imageNamed</a:t>
-            </a:r>
-            <a:r>
-              <a:rPr lang="en-US" baseline="0" dirty="0" smtClean="0"/>
-              <a:t> constructor  but at least it might prevent you from banging your head against the wall trying to find out why it can’t be done.</a:t>
-            </a:r>
+              <a:t>Both the inherited &amp; re-implementation approach can be combined</a:t>
+            </a:r>
+            <a:endParaRPr lang="en-US" baseline="0" dirty="0" smtClean="0"/>
+          </a:p>
+          <a:p>
+            <a:endParaRPr lang="en-US" baseline="0" dirty="0" smtClean="0"/>
           </a:p>
           <a:p>
             <a:endParaRPr lang="en-US" baseline="0" dirty="0" smtClean="0"/>
@@ -1663,8 +1738,44 @@
             </a:r>
             <a:r>
               <a:rPr lang="en-US" baseline="0" dirty="0" smtClean="0"/>
-              <a:t>)</a:t>
-            </a:r>
+              <a:t>) or use as per the classic pattern</a:t>
+            </a:r>
+          </a:p>
+          <a:p>
+            <a:endParaRPr lang="en-US" baseline="0" dirty="0" smtClean="0"/>
+          </a:p>
+          <a:p>
+            <a:pPr marL="0" marR="0" indent="0" algn="l" defTabSz="457200" rtl="0" eaLnBrk="1" fontAlgn="auto" latinLnBrk="0" hangingPunct="1">
+              <a:lnSpc>
+                <a:spcPct val="100000"/>
+              </a:lnSpc>
+              <a:spcBef>
+                <a:spcPts val="0"/>
+              </a:spcBef>
+              <a:spcAft>
+                <a:spcPts val="0"/>
+              </a:spcAft>
+              <a:buClrTx/>
+              <a:buSzTx/>
+              <a:buFontTx/>
+              <a:buNone/>
+              <a:tabLst/>
+              <a:defRPr/>
+            </a:pPr>
+            <a:r>
+              <a:rPr lang="en-US" baseline="0" dirty="0" smtClean="0"/>
+              <a:t>This doesn’t really offer much in the way of using the convenience </a:t>
+            </a:r>
+            <a:r>
+              <a:rPr lang="en-US" baseline="0" dirty="0" err="1" smtClean="0"/>
+              <a:t>imageNamed</a:t>
+            </a:r>
+            <a:r>
+              <a:rPr lang="en-US" baseline="0" dirty="0" smtClean="0"/>
+              <a:t> constructor but at least it might prevent you from banging your head against the wall trying to find out why it can’t be done or rather that directly.</a:t>
+            </a:r>
+          </a:p>
+          <a:p>
             <a:endParaRPr lang="en-US" dirty="0"/>
           </a:p>
         </p:txBody>
@@ -1751,7 +1862,19 @@
           <a:p>
             <a:r>
               <a:rPr lang="en-US" dirty="0" smtClean="0"/>
-              <a:t>A CE system can be used as an alternative</a:t>
+              <a:t>As an aside</a:t>
+            </a:r>
+            <a:r>
+              <a:rPr lang="en-US" baseline="0" dirty="0" smtClean="0"/>
+              <a:t> a</a:t>
+            </a:r>
+            <a:r>
+              <a:rPr lang="en-US" dirty="0" smtClean="0"/>
+              <a:t> </a:t>
+            </a:r>
+            <a:r>
+              <a:rPr lang="en-US" dirty="0" smtClean="0"/>
+              <a:t>CE system can be used as an alternative</a:t>
             </a:r>
             <a:r>
               <a:rPr lang="en-US" baseline="0" dirty="0" smtClean="0"/>
@@ -2030,7 +2153,7 @@
           <a:p>
             <a:fld id="{2DF66AD8-BC4A-4004-9882-414398D930CA}" type="datetimeFigureOut">
               <a:rPr lang="en-US" smtClean="0"/>
-              <a:t>16/08/2014</a:t>
+              <a:t>18/08/2014</a:t>
             </a:fld>
             <a:endParaRPr lang="en-US"/>
           </a:p>
@@ -2175,7 +2298,7 @@
           <a:p>
             <a:fld id="{2DF66AD8-BC4A-4004-9882-414398D930CA}" type="datetimeFigureOut">
               <a:rPr lang="en-US" smtClean="0"/>
-              <a:t>16/08/2014</a:t>
+              <a:t>18/08/2014</a:t>
             </a:fld>
             <a:endParaRPr lang="en-US"/>
           </a:p>
@@ -2632,7 +2755,7 @@
           <a:p>
             <a:fld id="{2DF66AD8-BC4A-4004-9882-414398D930CA}" type="datetimeFigureOut">
               <a:rPr lang="en-US" smtClean="0"/>
-              <a:t>16/08/2014</a:t>
+              <a:t>18/08/2014</a:t>
             </a:fld>
             <a:endParaRPr lang="en-US"/>
           </a:p>
@@ -3000,7 +3123,7 @@
           <a:p>
             <a:fld id="{2DF66AD8-BC4A-4004-9882-414398D930CA}" type="datetimeFigureOut">
               <a:rPr lang="en-US" smtClean="0"/>
-              <a:t>16/08/2014</a:t>
+              <a:t>18/08/2014</a:t>
             </a:fld>
             <a:endParaRPr lang="en-US"/>
           </a:p>
@@ -3090,7 +3213,7 @@
           <a:p>
             <a:fld id="{2DF66AD8-BC4A-4004-9882-414398D930CA}" type="datetimeFigureOut">
               <a:rPr lang="en-US" smtClean="0"/>
-              <a:t>16/08/2014</a:t>
+              <a:t>18/08/2014</a:t>
             </a:fld>
             <a:endParaRPr lang="en-US"/>
           </a:p>
@@ -3368,7 +3491,7 @@
           <a:p>
             <a:fld id="{2DF66AD8-BC4A-4004-9882-414398D930CA}" type="datetimeFigureOut">
               <a:rPr lang="en-US" smtClean="0"/>
-              <a:t>16/08/2014</a:t>
+              <a:t>18/08/2014</a:t>
             </a:fld>
             <a:endParaRPr lang="en-US"/>
           </a:p>
@@ -3561,7 +3684,7 @@
           <a:p>
             <a:fld id="{2DF66AD8-BC4A-4004-9882-414398D930CA}" type="datetimeFigureOut">
               <a:rPr lang="en-US" smtClean="0"/>
-              <a:t>16/08/2014</a:t>
+              <a:t>18/08/2014</a:t>
             </a:fld>
             <a:endParaRPr lang="en-US"/>
           </a:p>
@@ -4303,7 +4426,7 @@
           <a:p>
             <a:fld id="{2DF66AD8-BC4A-4004-9882-414398D930CA}" type="datetimeFigureOut">
               <a:rPr lang="en-US" smtClean="0"/>
-              <a:t>16/08/2014</a:t>
+              <a:t>18/08/2014</a:t>
             </a:fld>
             <a:endParaRPr lang="en-US"/>
           </a:p>
@@ -4641,7 +4764,7 @@
           <a:p>
             <a:fld id="{2DF66AD8-BC4A-4004-9882-414398D930CA}" type="datetimeFigureOut">
               <a:rPr lang="en-US" smtClean="0"/>
-              <a:t>16/08/2014</a:t>
+              <a:t>18/08/2014</a:t>
             </a:fld>
             <a:endParaRPr lang="en-US"/>
           </a:p>
@@ -5238,7 +5361,7 @@
           <a:p>
             <a:fld id="{2DF66AD8-BC4A-4004-9882-414398D930CA}" type="datetimeFigureOut">
               <a:rPr lang="en-US" smtClean="0"/>
-              <a:t>16/08/2014</a:t>
+              <a:t>18/08/2014</a:t>
             </a:fld>
             <a:endParaRPr lang="en-US"/>
           </a:p>
@@ -5421,7 +5544,7 @@
           <a:p>
             <a:fld id="{2DF66AD8-BC4A-4004-9882-414398D930CA}" type="datetimeFigureOut">
               <a:rPr lang="en-US" smtClean="0"/>
-              <a:t>16/08/2014</a:t>
+              <a:t>18/08/2014</a:t>
             </a:fld>
             <a:endParaRPr lang="en-US"/>
           </a:p>
@@ -5590,7 +5713,7 @@
           <a:p>
             <a:fld id="{2DF66AD8-BC4A-4004-9882-414398D930CA}" type="datetimeFigureOut">
               <a:rPr lang="en-US" smtClean="0"/>
-              <a:t>16/08/2014</a:t>
+              <a:t>18/08/2014</a:t>
             </a:fld>
             <a:endParaRPr lang="en-US"/>
           </a:p>
@@ -5783,7 +5906,7 @@
           <a:p>
             <a:fld id="{2DF66AD8-BC4A-4004-9882-414398D930CA}" type="datetimeFigureOut">
               <a:rPr lang="en-US" smtClean="0"/>
-              <a:t>16/08/2014</a:t>
+              <a:t>18/08/2014</a:t>
             </a:fld>
             <a:endParaRPr lang="en-US"/>
           </a:p>
@@ -6202,7 +6325,7 @@
           <a:p>
             <a:fld id="{2DF66AD8-BC4A-4004-9882-414398D930CA}" type="datetimeFigureOut">
               <a:rPr lang="en-US" smtClean="0"/>
-              <a:t>16/08/2014</a:t>
+              <a:t>18/08/2014</a:t>
             </a:fld>
             <a:endParaRPr lang="en-US"/>
           </a:p>
@@ -6500,7 +6623,7 @@
           <a:p>
             <a:fld id="{2DF66AD8-BC4A-4004-9882-414398D930CA}" type="datetimeFigureOut">
               <a:rPr lang="en-US" smtClean="0"/>
-              <a:t>16/08/2014</a:t>
+              <a:t>18/08/2014</a:t>
             </a:fld>
             <a:endParaRPr lang="en-US"/>
           </a:p>
@@ -6901,7 +7024,7 @@
           <a:p>
             <a:fld id="{2DF66AD8-BC4A-4004-9882-414398D930CA}" type="datetimeFigureOut">
               <a:rPr lang="en-US" smtClean="0"/>
-              <a:t>16/08/2014</a:t>
+              <a:t>18/08/2014</a:t>
             </a:fld>
             <a:endParaRPr lang="en-US"/>
           </a:p>
@@ -7291,7 +7414,7 @@
           <a:p>
             <a:fld id="{2DF66AD8-BC4A-4004-9882-414398D930CA}" type="datetimeFigureOut">
               <a:rPr lang="en-US" smtClean="0"/>
-              <a:t>16/08/2014</a:t>
+              <a:t>18/08/2014</a:t>
             </a:fld>
             <a:endParaRPr lang="en-US"/>
           </a:p>
@@ -7574,7 +7697,7 @@
           <a:p>
             <a:fld id="{2DF66AD8-BC4A-4004-9882-414398D930CA}" type="datetimeFigureOut">
               <a:rPr lang="en-US" smtClean="0"/>
-              <a:t>16/08/2014</a:t>
+              <a:t>18/08/2014</a:t>
             </a:fld>
             <a:endParaRPr lang="en-US"/>
           </a:p>
@@ -8013,7 +8136,7 @@
           <a:p>
             <a:fld id="{2DF66AD8-BC4A-4004-9882-414398D930CA}" type="datetimeFigureOut">
               <a:rPr lang="en-US" smtClean="0"/>
-              <a:t>16/08/2014</a:t>
+              <a:t>18/08/2014</a:t>
             </a:fld>
             <a:endParaRPr lang="en-US"/>
           </a:p>
@@ -8307,7 +8430,7 @@
           <a:p>
             <a:fld id="{2DF66AD8-BC4A-4004-9882-414398D930CA}" type="datetimeFigureOut">
               <a:rPr lang="en-US" smtClean="0"/>
-              <a:t>16/08/2014</a:t>
+              <a:t>18/08/2014</a:t>
             </a:fld>
             <a:endParaRPr lang="en-US"/>
           </a:p>
@@ -8599,7 +8722,7 @@
           <a:p>
             <a:fld id="{2DF66AD8-BC4A-4004-9882-414398D930CA}" type="datetimeFigureOut">
               <a:rPr lang="en-US" smtClean="0"/>
-              <a:t>16/08/2014</a:t>
+              <a:t>18/08/2014</a:t>
             </a:fld>
             <a:endParaRPr lang="en-US"/>
           </a:p>
